--- a/submissions/phase3/stepv.pptx
+++ b/submissions/phase3/stepv.pptx
@@ -3973,8 +3973,8 @@
         </p:nvSpPr>
         <p:spPr>
           <a:xfrm>
-            <a:off x="7283116" y="1931844"/>
-            <a:ext cx="4127006" cy="3394904"/>
+            <a:off x="7359316" y="1721165"/>
+            <a:ext cx="4127006" cy="3727302"/>
           </a:xfrm>
           <a:prstGeom prst="rect">
             <a:avLst/>
@@ -3999,6 +3999,46 @@
             </a:pPr>
             <a:r>
               <a:rPr lang="en-US" altLang="zh-CN" dirty="0"/>
+              <a:t>We use </a:t>
+            </a:r>
+            <a:r>
+              <a:rPr lang="en-US" altLang="zh-CN" b="1" dirty="0" err="1"/>
+              <a:t>average_precision</a:t>
+            </a:r>
+            <a:r>
+              <a:rPr lang="en-US" altLang="zh-CN" b="1" dirty="0"/>
+              <a:t> </a:t>
+            </a:r>
+            <a:r>
+              <a:rPr lang="en-US" altLang="zh-CN" dirty="0"/>
+              <a:t>and </a:t>
+            </a:r>
+            <a:r>
+              <a:rPr lang="en-US" altLang="zh-CN" b="1" dirty="0" err="1"/>
+              <a:t>roc_auc</a:t>
+            </a:r>
+            <a:r>
+              <a:rPr lang="en-US" altLang="zh-CN" b="1" dirty="0"/>
+              <a:t> </a:t>
+            </a:r>
+            <a:r>
+              <a:rPr lang="en-US" altLang="zh-CN" dirty="0"/>
+              <a:t>to rank features. </a:t>
+            </a:r>
+          </a:p>
+          <a:p>
+            <a:pPr marL="285750" indent="-285750">
+              <a:lnSpc>
+                <a:spcPct val="120000"/>
+              </a:lnSpc>
+              <a:buClr>
+                <a:srgbClr val="D41B2C"/>
+              </a:buClr>
+              <a:buFont typeface="Wingdings" panose="05000000000000000000" pitchFamily="2" charset="2"/>
+              <a:buChar char="n"/>
+            </a:pPr>
+            <a:r>
+              <a:rPr lang="en-US" altLang="zh-CN" dirty="0"/>
               <a:t>Features to be dropped</a:t>
             </a:r>
           </a:p>
@@ -4015,7 +4055,15 @@
             </a:pPr>
             <a:r>
               <a:rPr lang="en-US" altLang="zh-CN" dirty="0"/>
-              <a:t>'city',</a:t>
+              <a:t>'</a:t>
+            </a:r>
+            <a:r>
+              <a:rPr lang="en-US" altLang="zh-CN" dirty="0" err="1"/>
+              <a:t>creat_type_cd</a:t>
+            </a:r>
+            <a:r>
+              <a:rPr lang="en-US" altLang="zh-CN" dirty="0"/>
+              <a:t>',</a:t>
             </a:r>
           </a:p>
           <a:p>
@@ -4031,7 +4079,15 @@
             </a:pPr>
             <a:r>
               <a:rPr lang="en-US" altLang="zh-CN" dirty="0"/>
-              <a:t> 'gender',</a:t>
+              <a:t> '</a:t>
+            </a:r>
+            <a:r>
+              <a:rPr lang="en-US" altLang="zh-CN" dirty="0" err="1"/>
+              <a:t>up_membership_grade</a:t>
+            </a:r>
+            <a:r>
+              <a:rPr lang="en-US" altLang="zh-CN" dirty="0"/>
+              <a:t>',</a:t>
             </a:r>
           </a:p>
           <a:p>
@@ -4051,7 +4107,7 @@
             </a:r>
             <a:r>
               <a:rPr lang="en-US" altLang="zh-CN" dirty="0" err="1"/>
-              <a:t>emui_dev</a:t>
+              <a:t>membership_life_duration</a:t>
             </a:r>
             <a:r>
               <a:rPr lang="en-US" altLang="zh-CN" dirty="0"/>
@@ -4099,7 +4155,7 @@
             </a:r>
             <a:r>
               <a:rPr lang="en-US" altLang="zh-CN" dirty="0" err="1"/>
-              <a:t>app_second_class</a:t>
+              <a:t>consume_purchase</a:t>
             </a:r>
             <a:r>
               <a:rPr lang="en-US" altLang="zh-CN" dirty="0"/>
@@ -4123,7 +4179,7 @@
             </a:r>
             <a:r>
               <a:rPr lang="en-US" altLang="zh-CN" dirty="0" err="1"/>
-              <a:t>device_size</a:t>
+              <a:t>app_first_class</a:t>
             </a:r>
             <a:r>
               <a:rPr lang="en-US" altLang="zh-CN" dirty="0"/>
@@ -4143,15 +4199,7 @@
             </a:pPr>
             <a:r>
               <a:rPr lang="en-US" altLang="zh-CN" dirty="0"/>
-              <a:t> '</a:t>
-            </a:r>
-            <a:r>
-              <a:rPr lang="en-US" altLang="zh-CN" dirty="0" err="1"/>
-              <a:t>list_time</a:t>
-            </a:r>
-            <a:r>
-              <a:rPr lang="en-US" altLang="zh-CN" dirty="0"/>
-              <a:t>',</a:t>
+              <a:t> 'gender',</a:t>
             </a:r>
           </a:p>
           <a:p>
@@ -4171,31 +4219,7 @@
             </a:r>
             <a:r>
               <a:rPr lang="en-US" altLang="zh-CN" dirty="0" err="1"/>
-              <a:t>up_life_duration</a:t>
-            </a:r>
-            <a:r>
-              <a:rPr lang="en-US" altLang="zh-CN" dirty="0"/>
-              <a:t>',</a:t>
-            </a:r>
-          </a:p>
-          <a:p>
-            <a:pPr marL="742950" lvl="1" indent="-285750">
-              <a:lnSpc>
-                <a:spcPct val="120000"/>
-              </a:lnSpc>
-              <a:buClr>
-                <a:srgbClr val="D41B2C"/>
-              </a:buClr>
-              <a:buFont typeface="Arial" panose="020B0604020202020204" pitchFamily="34" charset="0"/>
-              <a:buChar char="•"/>
-            </a:pPr>
-            <a:r>
-              <a:rPr lang="en-US" altLang="zh-CN" dirty="0"/>
-              <a:t> '</a:t>
-            </a:r>
-            <a:r>
-              <a:rPr lang="en-US" altLang="zh-CN" dirty="0" err="1"/>
-              <a:t>up_membership_grade</a:t>
+              <a:t>inter_type_cd</a:t>
             </a:r>
             <a:r>
               <a:rPr lang="en-US" altLang="zh-CN" dirty="0"/>
@@ -4206,10 +4230,10 @@
       </p:sp>
       <p:pic>
         <p:nvPicPr>
-          <p:cNvPr id="6" name="Picture 5">
-            <a:extLst>
-              <a:ext uri="{FF2B5EF4-FFF2-40B4-BE49-F238E27FC236}">
-                <a16:creationId xmlns:a16="http://schemas.microsoft.com/office/drawing/2014/main" id="{23FEEF70-8322-80CE-22E4-CFD02497EBF8}"/>
+          <p:cNvPr id="5" name="Picture 4">
+            <a:extLst>
+              <a:ext uri="{FF2B5EF4-FFF2-40B4-BE49-F238E27FC236}">
+                <a16:creationId xmlns:a16="http://schemas.microsoft.com/office/drawing/2014/main" id="{C1F0DE92-9B58-DECA-2806-39A49719D9E3}"/>
               </a:ext>
             </a:extLst>
           </p:cNvPr>
@@ -4226,8 +4250,8 @@
         </p:blipFill>
         <p:spPr>
           <a:xfrm>
-            <a:off x="0" y="1419121"/>
-            <a:ext cx="3289469" cy="4019757"/>
+            <a:off x="552366" y="1318769"/>
+            <a:ext cx="3257717" cy="4794496"/>
           </a:xfrm>
           <a:prstGeom prst="rect">
             <a:avLst/>
@@ -4236,10 +4260,10 @@
       </p:pic>
       <p:pic>
         <p:nvPicPr>
-          <p:cNvPr id="9" name="Picture 8">
-            <a:extLst>
-              <a:ext uri="{FF2B5EF4-FFF2-40B4-BE49-F238E27FC236}">
-                <a16:creationId xmlns:a16="http://schemas.microsoft.com/office/drawing/2014/main" id="{C9DB0C71-F01A-ED10-C016-DA724D7AB355}"/>
+          <p:cNvPr id="10" name="Picture 9">
+            <a:extLst>
+              <a:ext uri="{FF2B5EF4-FFF2-40B4-BE49-F238E27FC236}">
+                <a16:creationId xmlns:a16="http://schemas.microsoft.com/office/drawing/2014/main" id="{83F8BC84-3901-B7D6-BFCF-DCF7119FE4E3}"/>
               </a:ext>
             </a:extLst>
           </p:cNvPr>
@@ -4256,8 +4280,8 @@
         </p:blipFill>
         <p:spPr>
           <a:xfrm>
-            <a:off x="3485065" y="1298465"/>
-            <a:ext cx="3200564" cy="4140413"/>
+            <a:off x="3978067" y="1318769"/>
+            <a:ext cx="3213265" cy="4667490"/>
           </a:xfrm>
           <a:prstGeom prst="rect">
             <a:avLst/>
@@ -4433,7 +4457,7 @@
         <p:spPr>
           <a:xfrm>
             <a:off x="1668449" y="5455745"/>
-            <a:ext cx="9041304" cy="403316"/>
+            <a:ext cx="9041304" cy="735714"/>
           </a:xfrm>
           <a:prstGeom prst="rect">
             <a:avLst/>
@@ -4458,17 +4482,17 @@
             </a:pPr>
             <a:r>
               <a:rPr lang="en-US" altLang="zh-CN" dirty="0"/>
-              <a:t>Todo</a:t>
+              <a:t>Because dropping attributes doesn't significantly decrease the performance, we would apply the new drop list in the fine-tuning stage.</a:t>
             </a:r>
           </a:p>
         </p:txBody>
       </p:sp>
       <p:pic>
         <p:nvPicPr>
-          <p:cNvPr id="9" name="Picture 8">
-            <a:extLst>
-              <a:ext uri="{FF2B5EF4-FFF2-40B4-BE49-F238E27FC236}">
-                <a16:creationId xmlns:a16="http://schemas.microsoft.com/office/drawing/2014/main" id="{7F6D81D0-3B43-3669-4467-72DB9A09414C}"/>
+          <p:cNvPr id="5" name="Picture 4">
+            <a:extLst>
+              <a:ext uri="{FF2B5EF4-FFF2-40B4-BE49-F238E27FC236}">
+                <a16:creationId xmlns:a16="http://schemas.microsoft.com/office/drawing/2014/main" id="{4B56D88A-0EAA-DC1C-5286-F2E4C2776679}"/>
               </a:ext>
             </a:extLst>
           </p:cNvPr>
@@ -4485,8 +4509,8 @@
         </p:blipFill>
         <p:spPr>
           <a:xfrm>
-            <a:off x="904800" y="3146252"/>
-            <a:ext cx="2976984" cy="1262171"/>
+            <a:off x="2322226" y="1328862"/>
+            <a:ext cx="7547547" cy="900605"/>
           </a:xfrm>
           <a:prstGeom prst="rect">
             <a:avLst/>
@@ -4495,10 +4519,10 @@
       </p:pic>
       <p:pic>
         <p:nvPicPr>
-          <p:cNvPr id="13" name="Picture 12">
-            <a:extLst>
-              <a:ext uri="{FF2B5EF4-FFF2-40B4-BE49-F238E27FC236}">
-                <a16:creationId xmlns:a16="http://schemas.microsoft.com/office/drawing/2014/main" id="{B313FC44-A162-4B39-DF47-000643E78447}"/>
+          <p:cNvPr id="8" name="Picture 7">
+            <a:extLst>
+              <a:ext uri="{FF2B5EF4-FFF2-40B4-BE49-F238E27FC236}">
+                <a16:creationId xmlns:a16="http://schemas.microsoft.com/office/drawing/2014/main" id="{6E605627-7FDA-ED6D-1508-6FFAE8A2434A}"/>
               </a:ext>
             </a:extLst>
           </p:cNvPr>
@@ -4515,8 +4539,8 @@
         </p:blipFill>
         <p:spPr>
           <a:xfrm>
-            <a:off x="7613156" y="2541470"/>
-            <a:ext cx="3182992" cy="2626961"/>
+            <a:off x="1033041" y="3147130"/>
+            <a:ext cx="2789254" cy="1135162"/>
           </a:xfrm>
           <a:prstGeom prst="rect">
             <a:avLst/>
@@ -4525,10 +4549,10 @@
       </p:pic>
       <p:pic>
         <p:nvPicPr>
-          <p:cNvPr id="17" name="Picture 16">
-            <a:extLst>
-              <a:ext uri="{FF2B5EF4-FFF2-40B4-BE49-F238E27FC236}">
-                <a16:creationId xmlns:a16="http://schemas.microsoft.com/office/drawing/2014/main" id="{0D5240E7-914C-8C5C-962B-D562A502100D}"/>
+          <p:cNvPr id="12" name="Picture 11">
+            <a:extLst>
+              <a:ext uri="{FF2B5EF4-FFF2-40B4-BE49-F238E27FC236}">
+                <a16:creationId xmlns:a16="http://schemas.microsoft.com/office/drawing/2014/main" id="{17A4FAA5-D1EC-A655-EF12-5E37D232AD97}"/>
               </a:ext>
             </a:extLst>
           </p:cNvPr>
@@ -4545,8 +4569,8 @@
         </p:blipFill>
         <p:spPr>
           <a:xfrm>
-            <a:off x="4110216" y="2541470"/>
-            <a:ext cx="3215019" cy="2654393"/>
+            <a:off x="7778566" y="2266899"/>
+            <a:ext cx="3575234" cy="2940201"/>
           </a:xfrm>
           <a:prstGeom prst="rect">
             <a:avLst/>
@@ -4555,10 +4579,10 @@
       </p:pic>
       <p:pic>
         <p:nvPicPr>
-          <p:cNvPr id="20" name="Picture 19">
-            <a:extLst>
-              <a:ext uri="{FF2B5EF4-FFF2-40B4-BE49-F238E27FC236}">
-                <a16:creationId xmlns:a16="http://schemas.microsoft.com/office/drawing/2014/main" id="{13352536-1AE1-B04E-2F93-999C1B472455}"/>
+          <p:cNvPr id="15" name="Picture 14">
+            <a:extLst>
+              <a:ext uri="{FF2B5EF4-FFF2-40B4-BE49-F238E27FC236}">
+                <a16:creationId xmlns:a16="http://schemas.microsoft.com/office/drawing/2014/main" id="{2EF3A437-1F5F-2C35-5893-E63F4E2550B5}"/>
               </a:ext>
             </a:extLst>
           </p:cNvPr>
@@ -4575,8 +4599,8 @@
         </p:blipFill>
         <p:spPr>
           <a:xfrm>
-            <a:off x="1326492" y="1353551"/>
-            <a:ext cx="9190626" cy="1060828"/>
+            <a:off x="4247785" y="2317032"/>
+            <a:ext cx="3530781" cy="2927500"/>
           </a:xfrm>
           <a:prstGeom prst="rect">
             <a:avLst/>
@@ -4756,8 +4780,8 @@
         </p:nvSpPr>
         <p:spPr>
           <a:xfrm>
-            <a:off x="1152395" y="5333611"/>
-            <a:ext cx="9241066" cy="403317"/>
+            <a:off x="1019044" y="5082607"/>
+            <a:ext cx="9972805" cy="1400512"/>
           </a:xfrm>
           <a:prstGeom prst="rect">
             <a:avLst/>
@@ -4782,8 +4806,61 @@
             </a:pPr>
             <a:r>
               <a:rPr lang="en-US" altLang="zh-CN" dirty="0"/>
-              <a:t>Todo</a:t>
-            </a:r>
+              <a:t>The low </a:t>
+            </a:r>
+            <a:r>
+              <a:rPr lang="en-US" altLang="zh-CN" b="1" dirty="0" err="1"/>
+              <a:t>ave_precision_score</a:t>
+            </a:r>
+            <a:r>
+              <a:rPr lang="en-US" altLang="zh-CN" dirty="0"/>
+              <a:t> and</a:t>
+            </a:r>
+            <a:r>
+              <a:rPr lang="zh-CN" altLang="en-US" dirty="0"/>
+              <a:t> </a:t>
+            </a:r>
+            <a:r>
+              <a:rPr lang="en-US" altLang="zh-CN" dirty="0"/>
+              <a:t>the</a:t>
+            </a:r>
+            <a:r>
+              <a:rPr lang="zh-CN" altLang="en-US" dirty="0"/>
+              <a:t> </a:t>
+            </a:r>
+            <a:r>
+              <a:rPr lang="en-US" altLang="zh-CN" dirty="0"/>
+              <a:t>number of </a:t>
+            </a:r>
+            <a:r>
+              <a:rPr lang="en-US" altLang="zh-CN" b="1" dirty="0"/>
+              <a:t>false positives</a:t>
+            </a:r>
+            <a:r>
+              <a:rPr lang="en-US" altLang="zh-CN" dirty="0"/>
+              <a:t> indicate a high rate of Type I error. </a:t>
+            </a:r>
+          </a:p>
+          <a:p>
+            <a:pPr marL="285750" indent="-285750">
+              <a:lnSpc>
+                <a:spcPct val="120000"/>
+              </a:lnSpc>
+              <a:buClr>
+                <a:srgbClr val="D41B2C"/>
+              </a:buClr>
+              <a:buFont typeface="Wingdings" panose="05000000000000000000" pitchFamily="2" charset="2"/>
+              <a:buChar char="n"/>
+            </a:pPr>
+            <a:r>
+              <a:rPr lang="en-US" altLang="zh-CN" b="1" dirty="0"/>
+              <a:t>False negatives</a:t>
+            </a:r>
+            <a:r>
+              <a:rPr lang="en-US" altLang="zh-CN" dirty="0"/>
+              <a:t> is also high, indicating that the model doesn’t perform well in identifying users who actually click on ads.</a:t>
+            </a:r>
+            <a:endParaRPr lang="en-US" altLang="zh-CN" b="1" dirty="0"/>
           </a:p>
         </p:txBody>
       </p:sp>
@@ -5076,7 +5153,7 @@
         <p:spPr>
           <a:xfrm>
             <a:off x="1064713" y="5407814"/>
-            <a:ext cx="9666951" cy="403316"/>
+            <a:ext cx="9666951" cy="735714"/>
           </a:xfrm>
           <a:prstGeom prst="rect">
             <a:avLst/>
@@ -5101,7 +5178,15 @@
             </a:pPr>
             <a:r>
               <a:rPr lang="en-US" altLang="zh-CN" dirty="0"/>
-              <a:t>Todo</a:t>
+              <a:t>Compared to the train set, the </a:t>
+            </a:r>
+            <a:r>
+              <a:rPr lang="en-US" altLang="zh-CN" b="1" dirty="0"/>
+              <a:t>precision score</a:t>
+            </a:r>
+            <a:r>
+              <a:rPr lang="en-US" altLang="zh-CN" dirty="0"/>
+              <a:t> decreases significantly. Other performance metrics also decrease slightly. The model doesn’t generalize to new and unseen data well.</a:t>
             </a:r>
           </a:p>
         </p:txBody>
@@ -5395,7 +5480,7 @@
         <p:spPr>
           <a:xfrm>
             <a:off x="7696475" y="1760610"/>
-            <a:ext cx="4127006" cy="3062505"/>
+            <a:ext cx="4127006" cy="2730106"/>
           </a:xfrm>
           <a:prstGeom prst="rect">
             <a:avLst/>
@@ -5420,6 +5505,38 @@
             </a:pPr>
             <a:r>
               <a:rPr lang="en-US" altLang="zh-CN" dirty="0"/>
+              <a:t>The use of </a:t>
+            </a:r>
+            <a:r>
+              <a:rPr lang="en-US" altLang="zh-CN" b="1" dirty="0" err="1"/>
+              <a:t>average_precision</a:t>
+            </a:r>
+            <a:r>
+              <a:rPr lang="en-US" altLang="zh-CN" dirty="0"/>
+              <a:t> and </a:t>
+            </a:r>
+            <a:r>
+              <a:rPr lang="en-US" altLang="zh-CN" b="1" dirty="0" err="1"/>
+              <a:t>roc_auc</a:t>
+            </a:r>
+            <a:r>
+              <a:rPr lang="en-US" altLang="zh-CN" dirty="0"/>
+              <a:t> together calculates which feature is important.</a:t>
+            </a:r>
+          </a:p>
+          <a:p>
+            <a:pPr marL="285750" indent="-285750">
+              <a:lnSpc>
+                <a:spcPct val="120000"/>
+              </a:lnSpc>
+              <a:buClr>
+                <a:srgbClr val="D41B2C"/>
+              </a:buClr>
+              <a:buFont typeface="Wingdings" panose="05000000000000000000" pitchFamily="2" charset="2"/>
+              <a:buChar char="n"/>
+            </a:pPr>
+            <a:r>
+              <a:rPr lang="en-US" altLang="zh-CN" dirty="0"/>
               <a:t>Features to be dropped</a:t>
             </a:r>
           </a:p>
@@ -5440,7 +5557,7 @@
             </a:r>
             <a:r>
               <a:rPr lang="en-US" altLang="zh-CN" dirty="0" err="1"/>
-              <a:t>up_life_duration</a:t>
+              <a:t>inter_type_cd</a:t>
             </a:r>
             <a:r>
               <a:rPr lang="en-US" altLang="zh-CN" dirty="0"/>
@@ -5464,7 +5581,7 @@
             </a:r>
             <a:r>
               <a:rPr lang="en-US" altLang="zh-CN" dirty="0" err="1"/>
-              <a:t>inter_type_cd</a:t>
+              <a:t>city_rank</a:t>
             </a:r>
             <a:r>
               <a:rPr lang="en-US" altLang="zh-CN" dirty="0"/>
@@ -5488,91 +5605,11 @@
             </a:r>
             <a:r>
               <a:rPr lang="en-US" altLang="zh-CN" dirty="0" err="1"/>
-              <a:t>city_rank</a:t>
-            </a:r>
-            <a:r>
-              <a:rPr lang="en-US" altLang="zh-CN" dirty="0"/>
-              <a:t>',</a:t>
-            </a:r>
-          </a:p>
-          <a:p>
-            <a:pPr marL="742950" lvl="1" indent="-285750">
-              <a:lnSpc>
-                <a:spcPct val="120000"/>
-              </a:lnSpc>
-              <a:buClr>
-                <a:srgbClr val="D41B2C"/>
-              </a:buClr>
-              <a:buFont typeface="Arial" panose="020B0604020202020204" pitchFamily="34" charset="0"/>
-              <a:buChar char="•"/>
-            </a:pPr>
-            <a:r>
-              <a:rPr lang="en-US" altLang="zh-CN" dirty="0"/>
-              <a:t> '</a:t>
-            </a:r>
-            <a:r>
-              <a:rPr lang="en-US" altLang="zh-CN" dirty="0" err="1"/>
               <a:t>app_first_class</a:t>
             </a:r>
             <a:r>
               <a:rPr lang="en-US" altLang="zh-CN" dirty="0"/>
-              <a:t>',</a:t>
-            </a:r>
-          </a:p>
-          <a:p>
-            <a:pPr marL="742950" lvl="1" indent="-285750">
-              <a:lnSpc>
-                <a:spcPct val="120000"/>
-              </a:lnSpc>
-              <a:buClr>
-                <a:srgbClr val="D41B2C"/>
-              </a:buClr>
-              <a:buFont typeface="Arial" panose="020B0604020202020204" pitchFamily="34" charset="0"/>
-              <a:buChar char="•"/>
-            </a:pPr>
-            <a:r>
-              <a:rPr lang="en-US" altLang="zh-CN" dirty="0"/>
-              <a:t> 'city',</a:t>
-            </a:r>
-          </a:p>
-          <a:p>
-            <a:pPr marL="742950" lvl="1" indent="-285750">
-              <a:lnSpc>
-                <a:spcPct val="120000"/>
-              </a:lnSpc>
-              <a:buClr>
-                <a:srgbClr val="D41B2C"/>
-              </a:buClr>
-              <a:buFont typeface="Arial" panose="020B0604020202020204" pitchFamily="34" charset="0"/>
-              <a:buChar char="•"/>
-            </a:pPr>
-            <a:r>
-              <a:rPr lang="en-US" altLang="zh-CN" dirty="0"/>
-              <a:t> '</a:t>
-            </a:r>
-            <a:r>
-              <a:rPr lang="en-US" altLang="zh-CN" dirty="0" err="1"/>
-              <a:t>emui_dev</a:t>
-            </a:r>
-            <a:r>
-              <a:rPr lang="en-US" altLang="zh-CN" dirty="0"/>
-              <a:t>',</a:t>
-            </a:r>
-          </a:p>
-          <a:p>
-            <a:pPr marL="742950" lvl="1" indent="-285750">
-              <a:lnSpc>
-                <a:spcPct val="120000"/>
-              </a:lnSpc>
-              <a:buClr>
-                <a:srgbClr val="D41B2C"/>
-              </a:buClr>
-              <a:buFont typeface="Arial" panose="020B0604020202020204" pitchFamily="34" charset="0"/>
-              <a:buChar char="•"/>
-            </a:pPr>
-            <a:r>
-              <a:rPr lang="en-US" altLang="zh-CN" dirty="0"/>
-              <a:t> 'gender',</a:t>
+              <a:t>’,</a:t>
             </a:r>
           </a:p>
           <a:p>
@@ -5833,8 +5870,8 @@
         </p:nvSpPr>
         <p:spPr>
           <a:xfrm>
-            <a:off x="1555715" y="5475205"/>
-            <a:ext cx="2336738" cy="403316"/>
+            <a:off x="1545298" y="5316270"/>
+            <a:ext cx="9101399" cy="735714"/>
           </a:xfrm>
           <a:prstGeom prst="rect">
             <a:avLst/>
@@ -5859,17 +5896,25 @@
             </a:pPr>
             <a:r>
               <a:rPr lang="en-US" altLang="zh-CN" dirty="0"/>
-              <a:t>Todo</a:t>
+              <a:t>Because the decrease in </a:t>
+            </a:r>
+            <a:r>
+              <a:rPr lang="en-US" altLang="zh-CN" b="1" dirty="0"/>
+              <a:t>false positives</a:t>
+            </a:r>
+            <a:r>
+              <a:rPr lang="en-US" altLang="zh-CN" dirty="0"/>
+              <a:t> is subtle and other performance metrics don’t change much, we’ll consider dropping these features in the fine-tuning stage.</a:t>
             </a:r>
           </a:p>
         </p:txBody>
       </p:sp>
       <p:pic>
         <p:nvPicPr>
-          <p:cNvPr id="28" name="Picture 27">
-            <a:extLst>
-              <a:ext uri="{FF2B5EF4-FFF2-40B4-BE49-F238E27FC236}">
-                <a16:creationId xmlns:a16="http://schemas.microsoft.com/office/drawing/2014/main" id="{8CA82945-1B6A-5898-6C8A-D20D7A898446}"/>
+          <p:cNvPr id="8" name="Picture 7">
+            <a:extLst>
+              <a:ext uri="{FF2B5EF4-FFF2-40B4-BE49-F238E27FC236}">
+                <a16:creationId xmlns:a16="http://schemas.microsoft.com/office/drawing/2014/main" id="{74D4DD41-7C08-2FA3-CB0F-D205851E7F83}"/>
               </a:ext>
             </a:extLst>
           </p:cNvPr>
@@ -5886,8 +5931,8 @@
         </p:blipFill>
         <p:spPr>
           <a:xfrm>
-            <a:off x="1524604" y="1391511"/>
-            <a:ext cx="9142082" cy="1077804"/>
+            <a:off x="1555715" y="1324850"/>
+            <a:ext cx="8845937" cy="1060396"/>
           </a:xfrm>
           <a:prstGeom prst="rect">
             <a:avLst/>
@@ -5896,10 +5941,10 @@
       </p:pic>
       <p:pic>
         <p:nvPicPr>
-          <p:cNvPr id="30" name="Picture 29">
-            <a:extLst>
-              <a:ext uri="{FF2B5EF4-FFF2-40B4-BE49-F238E27FC236}">
-                <a16:creationId xmlns:a16="http://schemas.microsoft.com/office/drawing/2014/main" id="{F712099C-C412-DA33-2EEC-3EACB95E1D06}"/>
+          <p:cNvPr id="10" name="Picture 9">
+            <a:extLst>
+              <a:ext uri="{FF2B5EF4-FFF2-40B4-BE49-F238E27FC236}">
+                <a16:creationId xmlns:a16="http://schemas.microsoft.com/office/drawing/2014/main" id="{6E5E27EE-4DC4-2454-FCF0-0FED7DFF90F2}"/>
               </a:ext>
             </a:extLst>
           </p:cNvPr>
@@ -5916,8 +5961,8 @@
         </p:blipFill>
         <p:spPr>
           <a:xfrm>
-            <a:off x="1170605" y="3325277"/>
-            <a:ext cx="3426476" cy="1439120"/>
+            <a:off x="1119808" y="3011799"/>
+            <a:ext cx="2957979" cy="1242848"/>
           </a:xfrm>
           <a:prstGeom prst="rect">
             <a:avLst/>
@@ -5926,10 +5971,10 @@
       </p:pic>
       <p:pic>
         <p:nvPicPr>
-          <p:cNvPr id="32" name="Picture 31">
-            <a:extLst>
-              <a:ext uri="{FF2B5EF4-FFF2-40B4-BE49-F238E27FC236}">
-                <a16:creationId xmlns:a16="http://schemas.microsoft.com/office/drawing/2014/main" id="{6D071DE9-6D9E-510C-25EF-C2461B2EC50A}"/>
+          <p:cNvPr id="13" name="Picture 12">
+            <a:extLst>
+              <a:ext uri="{FF2B5EF4-FFF2-40B4-BE49-F238E27FC236}">
+                <a16:creationId xmlns:a16="http://schemas.microsoft.com/office/drawing/2014/main" id="{CEBCF224-3CCE-FEFA-B69E-9944FD6985BE}"/>
               </a:ext>
             </a:extLst>
           </p:cNvPr>
@@ -5946,8 +5991,8 @@
         </p:blipFill>
         <p:spPr>
           <a:xfrm>
-            <a:off x="7792402" y="2610666"/>
-            <a:ext cx="3228993" cy="2669685"/>
+            <a:off x="4455409" y="2654082"/>
+            <a:ext cx="3046547" cy="2508921"/>
           </a:xfrm>
           <a:prstGeom prst="rect">
             <a:avLst/>
@@ -5956,10 +6001,10 @@
       </p:pic>
       <p:pic>
         <p:nvPicPr>
-          <p:cNvPr id="34" name="Picture 33">
-            <a:extLst>
-              <a:ext uri="{FF2B5EF4-FFF2-40B4-BE49-F238E27FC236}">
-                <a16:creationId xmlns:a16="http://schemas.microsoft.com/office/drawing/2014/main" id="{5B521551-3745-C0E5-8997-60E715FE75C5}"/>
+          <p:cNvPr id="15" name="Picture 14">
+            <a:extLst>
+              <a:ext uri="{FF2B5EF4-FFF2-40B4-BE49-F238E27FC236}">
+                <a16:creationId xmlns:a16="http://schemas.microsoft.com/office/drawing/2014/main" id="{F420F25F-E187-F256-DD6D-9949BB98DE08}"/>
               </a:ext>
             </a:extLst>
           </p:cNvPr>
@@ -5976,8 +6021,8 @@
         </p:blipFill>
         <p:spPr>
           <a:xfrm>
-            <a:off x="4707566" y="2610666"/>
-            <a:ext cx="3002174" cy="2492877"/>
+            <a:off x="7879578" y="2654082"/>
+            <a:ext cx="2899696" cy="2403492"/>
           </a:xfrm>
           <a:prstGeom prst="rect">
             <a:avLst/>
@@ -6157,7 +6202,7 @@
         <p:spPr>
           <a:xfrm>
             <a:off x="1446281" y="5531095"/>
-            <a:ext cx="3712057" cy="403316"/>
+            <a:ext cx="9341462" cy="735714"/>
           </a:xfrm>
           <a:prstGeom prst="rect">
             <a:avLst/>
@@ -6196,7 +6241,23 @@
           <a:p>
             <a:r>
               <a:rPr lang="en-US" altLang="zh-CN" dirty="0"/>
-              <a:t>Todo</a:t>
+              <a:t>The default model has many </a:t>
+            </a:r>
+            <a:r>
+              <a:rPr lang="en-US" altLang="zh-CN" b="1" dirty="0"/>
+              <a:t>false positives</a:t>
+            </a:r>
+            <a:r>
+              <a:rPr lang="en-US" altLang="zh-CN" dirty="0"/>
+              <a:t> and </a:t>
+            </a:r>
+            <a:r>
+              <a:rPr lang="en-US" altLang="zh-CN" b="1" dirty="0"/>
+              <a:t>false negatives</a:t>
+            </a:r>
+            <a:r>
+              <a:rPr lang="en-US" altLang="zh-CN" dirty="0"/>
+              <a:t>. The model fails to predict the instances well. </a:t>
             </a:r>
           </a:p>
         </p:txBody>
@@ -6533,7 +6594,7 @@
           <a:p>
             <a:r>
               <a:rPr lang="en-US" altLang="zh-CN" dirty="0"/>
-              <a:t>Todo</a:t>
+              <a:t>Compared to the performance on the train set, the performance on the validation set is worse.</a:t>
             </a:r>
           </a:p>
         </p:txBody>
@@ -6590,8 +6651,8 @@
         </p:blipFill>
         <p:spPr>
           <a:xfrm>
-            <a:off x="8018227" y="2181157"/>
-            <a:ext cx="3562533" cy="2940201"/>
+            <a:off x="8017383" y="2474160"/>
+            <a:ext cx="3336417" cy="2753585"/>
           </a:xfrm>
           <a:prstGeom prst="rect">
             <a:avLst/>
@@ -6620,8 +6681,8 @@
         </p:blipFill>
         <p:spPr>
           <a:xfrm>
-            <a:off x="4449344" y="2182424"/>
-            <a:ext cx="3568883" cy="2946551"/>
+            <a:off x="4555129" y="2556499"/>
+            <a:ext cx="3357311" cy="2771872"/>
           </a:xfrm>
           <a:prstGeom prst="rect">
             <a:avLst/>
@@ -6831,7 +6892,7 @@
         <p:spPr>
           <a:xfrm>
             <a:off x="7696475" y="1760610"/>
-            <a:ext cx="4127006" cy="3394904"/>
+            <a:ext cx="4127006" cy="2397708"/>
           </a:xfrm>
           <a:prstGeom prst="rect">
             <a:avLst/>
@@ -6952,7 +7013,7 @@
             </a:r>
             <a:r>
               <a:rPr lang="en-US" altLang="zh-CN" dirty="0"/>
-              <a:t>',</a:t>
+              <a:t>’,</a:t>
             </a:r>
           </a:p>
           <a:p>
@@ -6968,7 +7029,15 @@
             </a:pPr>
             <a:r>
               <a:rPr lang="en-US" altLang="zh-CN" dirty="0"/>
-              <a:t> 'gender',</a:t>
+              <a:t> '</a:t>
+            </a:r>
+            <a:r>
+              <a:rPr lang="en-US" altLang="zh-CN" dirty="0" err="1"/>
+              <a:t>app_second_class</a:t>
+            </a:r>
+            <a:r>
+              <a:rPr lang="en-US" altLang="zh-CN" dirty="0"/>
+              <a:t>',</a:t>
             </a:r>
           </a:p>
           <a:p>
@@ -6988,75 +7057,11 @@
             </a:r>
             <a:r>
               <a:rPr lang="en-US" altLang="zh-CN" dirty="0" err="1"/>
-              <a:t>list_time</a:t>
+              <a:t>creat_type_cd</a:t>
             </a:r>
             <a:r>
               <a:rPr lang="en-US" altLang="zh-CN" dirty="0"/>
               <a:t>',</a:t>
-            </a:r>
-          </a:p>
-          <a:p>
-            <a:pPr marL="742950" lvl="1" indent="-285750">
-              <a:lnSpc>
-                <a:spcPct val="120000"/>
-              </a:lnSpc>
-              <a:buClr>
-                <a:srgbClr val="D41B2C"/>
-              </a:buClr>
-              <a:buFont typeface="Arial" panose="020B0604020202020204" pitchFamily="34" charset="0"/>
-              <a:buChar char="•"/>
-            </a:pPr>
-            <a:r>
-              <a:rPr lang="en-US" altLang="zh-CN" dirty="0"/>
-              <a:t> '</a:t>
-            </a:r>
-            <a:r>
-              <a:rPr lang="en-US" altLang="zh-CN" dirty="0" err="1"/>
-              <a:t>app_second_class</a:t>
-            </a:r>
-            <a:r>
-              <a:rPr lang="en-US" altLang="zh-CN" dirty="0"/>
-              <a:t>',</a:t>
-            </a:r>
-          </a:p>
-          <a:p>
-            <a:pPr marL="742950" lvl="1" indent="-285750">
-              <a:lnSpc>
-                <a:spcPct val="120000"/>
-              </a:lnSpc>
-              <a:buClr>
-                <a:srgbClr val="D41B2C"/>
-              </a:buClr>
-              <a:buFont typeface="Arial" panose="020B0604020202020204" pitchFamily="34" charset="0"/>
-              <a:buChar char="•"/>
-            </a:pPr>
-            <a:r>
-              <a:rPr lang="en-US" altLang="zh-CN" dirty="0"/>
-              <a:t> '</a:t>
-            </a:r>
-            <a:r>
-              <a:rPr lang="en-US" altLang="zh-CN" dirty="0" err="1"/>
-              <a:t>creat_type_cd</a:t>
-            </a:r>
-            <a:r>
-              <a:rPr lang="en-US" altLang="zh-CN" dirty="0"/>
-              <a:t>',</a:t>
-            </a:r>
-          </a:p>
-          <a:p>
-            <a:pPr marL="742950" lvl="1" indent="-285750">
-              <a:lnSpc>
-                <a:spcPct val="120000"/>
-              </a:lnSpc>
-              <a:buClr>
-                <a:srgbClr val="D41B2C"/>
-              </a:buClr>
-              <a:buFont typeface="Arial" panose="020B0604020202020204" pitchFamily="34" charset="0"/>
-              <a:buChar char="•"/>
-            </a:pPr>
-            <a:r>
-              <a:rPr lang="en-US" altLang="zh-CN" dirty="0"/>
-              <a:t> 'communication_avgonline_30d'</a:t>
             </a:r>
           </a:p>
         </p:txBody>
@@ -7293,8 +7298,8 @@
         </p:nvSpPr>
         <p:spPr>
           <a:xfrm>
-            <a:off x="1555715" y="5475205"/>
-            <a:ext cx="2336738" cy="403316"/>
+            <a:off x="1615952" y="5170454"/>
+            <a:ext cx="8636035" cy="735714"/>
           </a:xfrm>
           <a:prstGeom prst="rect">
             <a:avLst/>
@@ -7319,17 +7324,25 @@
             </a:pPr>
             <a:r>
               <a:rPr lang="en-US" altLang="zh-CN" dirty="0"/>
-              <a:t>Todo</a:t>
+              <a:t>Because the decrease in </a:t>
+            </a:r>
+            <a:r>
+              <a:rPr lang="en-US" altLang="zh-CN" b="1" dirty="0"/>
+              <a:t>false positives</a:t>
+            </a:r>
+            <a:r>
+              <a:rPr lang="en-US" altLang="zh-CN" dirty="0"/>
+              <a:t> is subtle and other performance metrics don’t change much, we’ll consider dropping these features in the fine-tuning stage.</a:t>
             </a:r>
           </a:p>
         </p:txBody>
       </p:sp>
       <p:pic>
         <p:nvPicPr>
-          <p:cNvPr id="20" name="Picture 19">
-            <a:extLst>
-              <a:ext uri="{FF2B5EF4-FFF2-40B4-BE49-F238E27FC236}">
-                <a16:creationId xmlns:a16="http://schemas.microsoft.com/office/drawing/2014/main" id="{9EA32529-8604-6E53-B477-C7F2500319B7}"/>
+          <p:cNvPr id="5" name="Picture 4">
+            <a:extLst>
+              <a:ext uri="{FF2B5EF4-FFF2-40B4-BE49-F238E27FC236}">
+                <a16:creationId xmlns:a16="http://schemas.microsoft.com/office/drawing/2014/main" id="{59E544C1-8E30-6526-4600-325DDCF883A1}"/>
               </a:ext>
             </a:extLst>
           </p:cNvPr>
@@ -7346,8 +7359,8 @@
         </p:blipFill>
         <p:spPr>
           <a:xfrm>
-            <a:off x="982705" y="3545412"/>
-            <a:ext cx="2909748" cy="1222937"/>
+            <a:off x="1691151" y="1212416"/>
+            <a:ext cx="9120859" cy="1050619"/>
           </a:xfrm>
           <a:prstGeom prst="rect">
             <a:avLst/>
@@ -7356,10 +7369,10 @@
       </p:pic>
       <p:pic>
         <p:nvPicPr>
-          <p:cNvPr id="22" name="Picture 21">
-            <a:extLst>
-              <a:ext uri="{FF2B5EF4-FFF2-40B4-BE49-F238E27FC236}">
-                <a16:creationId xmlns:a16="http://schemas.microsoft.com/office/drawing/2014/main" id="{99F25F2E-9371-2ECF-2294-99A8C7CE7832}"/>
+          <p:cNvPr id="8" name="Picture 7">
+            <a:extLst>
+              <a:ext uri="{FF2B5EF4-FFF2-40B4-BE49-F238E27FC236}">
+                <a16:creationId xmlns:a16="http://schemas.microsoft.com/office/drawing/2014/main" id="{A13F9158-AC18-3AC7-DE5C-ED6A7C0145D9}"/>
               </a:ext>
             </a:extLst>
           </p:cNvPr>
@@ -7376,8 +7389,8 @@
         </p:blipFill>
         <p:spPr>
           <a:xfrm>
-            <a:off x="8178707" y="2263035"/>
-            <a:ext cx="3606985" cy="2965602"/>
+            <a:off x="1615952" y="2941972"/>
+            <a:ext cx="2216264" cy="927148"/>
           </a:xfrm>
           <a:prstGeom prst="rect">
             <a:avLst/>
@@ -7386,10 +7399,10 @@
       </p:pic>
       <p:pic>
         <p:nvPicPr>
-          <p:cNvPr id="24" name="Picture 23">
-            <a:extLst>
-              <a:ext uri="{FF2B5EF4-FFF2-40B4-BE49-F238E27FC236}">
-                <a16:creationId xmlns:a16="http://schemas.microsoft.com/office/drawing/2014/main" id="{6A98DF65-3BD0-A0EC-F59E-2AA7F7A420F3}"/>
+          <p:cNvPr id="10" name="Picture 9">
+            <a:extLst>
+              <a:ext uri="{FF2B5EF4-FFF2-40B4-BE49-F238E27FC236}">
+                <a16:creationId xmlns:a16="http://schemas.microsoft.com/office/drawing/2014/main" id="{E5143D4C-BE41-EAD2-F261-F8690EBE94A5}"/>
               </a:ext>
             </a:extLst>
           </p:cNvPr>
@@ -7406,8 +7419,8 @@
         </p:blipFill>
         <p:spPr>
           <a:xfrm>
-            <a:off x="4419512" y="2350687"/>
-            <a:ext cx="3664138" cy="2978303"/>
+            <a:off x="4235359" y="2419437"/>
+            <a:ext cx="2800868" cy="2312460"/>
           </a:xfrm>
           <a:prstGeom prst="rect">
             <a:avLst/>
@@ -7416,10 +7429,10 @@
       </p:pic>
       <p:pic>
         <p:nvPicPr>
-          <p:cNvPr id="26" name="Picture 25">
-            <a:extLst>
-              <a:ext uri="{FF2B5EF4-FFF2-40B4-BE49-F238E27FC236}">
-                <a16:creationId xmlns:a16="http://schemas.microsoft.com/office/drawing/2014/main" id="{70DDDE1F-0037-0E49-BF5F-9EBC197FAC94}"/>
+          <p:cNvPr id="13" name="Picture 12">
+            <a:extLst>
+              <a:ext uri="{FF2B5EF4-FFF2-40B4-BE49-F238E27FC236}">
+                <a16:creationId xmlns:a16="http://schemas.microsoft.com/office/drawing/2014/main" id="{AEC9D705-424B-5F7F-FF28-050D045A3863}"/>
               </a:ext>
             </a:extLst>
           </p:cNvPr>
@@ -7436,8 +7449,8 @@
         </p:blipFill>
         <p:spPr>
           <a:xfrm>
-            <a:off x="1506962" y="1213654"/>
-            <a:ext cx="9489238" cy="1081422"/>
+            <a:off x="7375879" y="2468548"/>
+            <a:ext cx="2664270" cy="2199461"/>
           </a:xfrm>
           <a:prstGeom prst="rect">
             <a:avLst/>
@@ -7680,7 +7693,7 @@
               <a:buChar char="n"/>
             </a:pPr>
             <a:r>
-              <a:rPr lang="en-US" altLang="zh-CN" dirty="0"/>
+              <a:rPr lang="en-US" altLang="zh-CN" b="1" dirty="0"/>
               <a:t>Goal:</a:t>
             </a:r>
           </a:p>
@@ -7712,7 +7725,7 @@
               <a:buChar char="n"/>
             </a:pPr>
             <a:r>
-              <a:rPr lang="en-US" altLang="zh-CN" dirty="0"/>
+              <a:rPr lang="en-US" altLang="zh-CN" b="1" dirty="0"/>
               <a:t>Five models used:</a:t>
             </a:r>
           </a:p>
@@ -7812,7 +7825,7 @@
               <a:buChar char="n"/>
             </a:pPr>
             <a:r>
-              <a:rPr lang="en-US" altLang="zh-CN" dirty="0"/>
+              <a:rPr lang="en-US" altLang="zh-CN" b="1" dirty="0"/>
               <a:t>Steps for each model:</a:t>
             </a:r>
           </a:p>
@@ -8082,8 +8095,8 @@
         </p:nvSpPr>
         <p:spPr>
           <a:xfrm>
-            <a:off x="1686526" y="5521191"/>
-            <a:ext cx="8818948" cy="403316"/>
+            <a:off x="1157166" y="5269482"/>
+            <a:ext cx="10041492" cy="403316"/>
           </a:xfrm>
           <a:prstGeom prst="rect">
             <a:avLst/>
@@ -8122,7 +8135,23 @@
           <a:p>
             <a:r>
               <a:rPr lang="en-US" altLang="zh-CN" dirty="0"/>
-              <a:t>Todo</a:t>
+              <a:t>This model has few </a:t>
+            </a:r>
+            <a:r>
+              <a:rPr lang="en-US" altLang="zh-CN" b="1" dirty="0"/>
+              <a:t>false positive</a:t>
+            </a:r>
+            <a:r>
+              <a:rPr lang="en-US" altLang="zh-CN" dirty="0"/>
+              <a:t> although the number of </a:t>
+            </a:r>
+            <a:r>
+              <a:rPr lang="en-US" altLang="zh-CN" b="1" dirty="0"/>
+              <a:t>false negatives</a:t>
+            </a:r>
+            <a:r>
+              <a:rPr lang="en-US" altLang="zh-CN" dirty="0"/>
+              <a:t> is large. </a:t>
             </a:r>
           </a:p>
         </p:txBody>
@@ -8419,8 +8448,8 @@
         </p:nvSpPr>
         <p:spPr>
           <a:xfrm>
-            <a:off x="651353" y="5537196"/>
-            <a:ext cx="10408706" cy="403316"/>
+            <a:off x="888171" y="5363000"/>
+            <a:ext cx="10665654" cy="735714"/>
           </a:xfrm>
           <a:prstGeom prst="rect">
             <a:avLst/>
@@ -8459,7 +8488,31 @@
           <a:p>
             <a:r>
               <a:rPr lang="en-US" altLang="zh-CN" dirty="0"/>
-              <a:t>Todo</a:t>
+              <a:t>Compared to the train set, the validation set has much lower </a:t>
+            </a:r>
+            <a:r>
+              <a:rPr lang="en-US" altLang="zh-CN" b="1" dirty="0"/>
+              <a:t>precision score</a:t>
+            </a:r>
+            <a:r>
+              <a:rPr lang="en-US" altLang="zh-CN" dirty="0"/>
+              <a:t> and </a:t>
+            </a:r>
+            <a:r>
+              <a:rPr lang="en-US" altLang="zh-CN" b="1" dirty="0" err="1"/>
+              <a:t>ave_precision_score</a:t>
+            </a:r>
+            <a:r>
+              <a:rPr lang="en-US" altLang="zh-CN" dirty="0"/>
+              <a:t>. Notably, </a:t>
+            </a:r>
+            <a:r>
+              <a:rPr lang="en-US" altLang="zh-CN" b="1" dirty="0"/>
+              <a:t>precision score</a:t>
+            </a:r>
+            <a:r>
+              <a:rPr lang="en-US" altLang="zh-CN" dirty="0"/>
+              <a:t> for class 1 is 0.    </a:t>
             </a:r>
           </a:p>
         </p:txBody>
@@ -8486,7 +8539,7 @@
         </p:blipFill>
         <p:spPr>
           <a:xfrm>
-            <a:off x="493796" y="3651864"/>
+            <a:off x="716380" y="2998134"/>
             <a:ext cx="3431307" cy="1541916"/>
           </a:xfrm>
           <a:prstGeom prst="rect">
@@ -8516,7 +8569,7 @@
         </p:blipFill>
         <p:spPr>
           <a:xfrm>
-            <a:off x="8129321" y="2389076"/>
+            <a:off x="8197758" y="2236081"/>
             <a:ext cx="3568883" cy="2940201"/>
           </a:xfrm>
           <a:prstGeom prst="rect">
@@ -8546,7 +8599,7 @@
         </p:blipFill>
         <p:spPr>
           <a:xfrm>
-            <a:off x="4308084" y="2453674"/>
+            <a:off x="4308083" y="2295817"/>
             <a:ext cx="3568883" cy="2946551"/>
           </a:xfrm>
           <a:prstGeom prst="rect">
@@ -8576,7 +8629,7 @@
         </p:blipFill>
         <p:spPr>
           <a:xfrm>
-            <a:off x="1642577" y="1293118"/>
+            <a:off x="1687903" y="1162665"/>
             <a:ext cx="8809244" cy="1026501"/>
           </a:xfrm>
           <a:prstGeom prst="rect">
@@ -8756,8 +8809,8 @@
         </p:nvSpPr>
         <p:spPr>
           <a:xfrm>
-            <a:off x="7696475" y="1760610"/>
-            <a:ext cx="4127006" cy="4059701"/>
+            <a:off x="7329216" y="1289955"/>
+            <a:ext cx="4319859" cy="4059701"/>
           </a:xfrm>
           <a:prstGeom prst="rect">
             <a:avLst/>
@@ -8798,7 +8851,15 @@
             </a:pPr>
             <a:r>
               <a:rPr lang="en-US" altLang="zh-CN" dirty="0"/>
-              <a:t>'gender',</a:t>
+              <a:t>'</a:t>
+            </a:r>
+            <a:r>
+              <a:rPr lang="en-US" altLang="zh-CN" dirty="0" err="1"/>
+              <a:t>device_size</a:t>
+            </a:r>
+            <a:r>
+              <a:rPr lang="en-US" altLang="zh-CN" dirty="0"/>
+              <a:t>',</a:t>
             </a:r>
           </a:p>
           <a:p>
@@ -8814,7 +8875,15 @@
             </a:pPr>
             <a:r>
               <a:rPr lang="en-US" altLang="zh-CN" dirty="0"/>
-              <a:t> 'communication_avgonline_30d',</a:t>
+              <a:t> '</a:t>
+            </a:r>
+            <a:r>
+              <a:rPr lang="en-US" altLang="zh-CN" dirty="0" err="1"/>
+              <a:t>pt_d</a:t>
+            </a:r>
+            <a:r>
+              <a:rPr lang="en-US" altLang="zh-CN" dirty="0"/>
+              <a:t>',</a:t>
             </a:r>
           </a:p>
           <a:p>
@@ -8830,15 +8899,7 @@
             </a:pPr>
             <a:r>
               <a:rPr lang="en-US" altLang="zh-CN" dirty="0"/>
-              <a:t> '</a:t>
-            </a:r>
-            <a:r>
-              <a:rPr lang="en-US" altLang="zh-CN" dirty="0" err="1"/>
-              <a:t>device_price</a:t>
-            </a:r>
-            <a:r>
-              <a:rPr lang="en-US" altLang="zh-CN" dirty="0"/>
-              <a:t>',</a:t>
+              <a:t> 'career',</a:t>
             </a:r>
           </a:p>
           <a:p>
@@ -8858,7 +8919,7 @@
             </a:r>
             <a:r>
               <a:rPr lang="en-US" altLang="zh-CN" dirty="0" err="1"/>
-              <a:t>communication_onlinerate</a:t>
+              <a:t>emui_dev</a:t>
             </a:r>
             <a:r>
               <a:rPr lang="en-US" altLang="zh-CN" dirty="0"/>
@@ -8878,7 +8939,7 @@
             </a:pPr>
             <a:r>
               <a:rPr lang="en-US" altLang="zh-CN" dirty="0"/>
-              <a:t> 'career',</a:t>
+              <a:t> 'communication_avgonline_30d',</a:t>
             </a:r>
           </a:p>
           <a:p>
@@ -8898,7 +8959,7 @@
             </a:r>
             <a:r>
               <a:rPr lang="en-US" altLang="zh-CN" dirty="0" err="1"/>
-              <a:t>pt_d</a:t>
+              <a:t>adv_prim_id</a:t>
             </a:r>
             <a:r>
               <a:rPr lang="en-US" altLang="zh-CN" dirty="0"/>
@@ -8918,15 +8979,7 @@
             </a:pPr>
             <a:r>
               <a:rPr lang="en-US" altLang="zh-CN" dirty="0"/>
-              <a:t> '</a:t>
-            </a:r>
-            <a:r>
-              <a:rPr lang="en-US" altLang="zh-CN" dirty="0" err="1"/>
-              <a:t>adv_prim_id</a:t>
-            </a:r>
-            <a:r>
-              <a:rPr lang="en-US" altLang="zh-CN" dirty="0"/>
-              <a:t>',</a:t>
+              <a:t> 'gender',</a:t>
             </a:r>
           </a:p>
           <a:p>
@@ -8946,7 +8999,7 @@
             </a:r>
             <a:r>
               <a:rPr lang="en-US" altLang="zh-CN" dirty="0" err="1"/>
-              <a:t>city_rank</a:t>
+              <a:t>list_time</a:t>
             </a:r>
             <a:r>
               <a:rPr lang="en-US" altLang="zh-CN" dirty="0"/>
@@ -8970,7 +9023,7 @@
             </a:r>
             <a:r>
               <a:rPr lang="en-US" altLang="zh-CN" dirty="0" err="1"/>
-              <a:t>list_time</a:t>
+              <a:t>city_rank</a:t>
             </a:r>
             <a:r>
               <a:rPr lang="en-US" altLang="zh-CN" dirty="0"/>
@@ -8994,7 +9047,7 @@
             </a:r>
             <a:r>
               <a:rPr lang="en-US" altLang="zh-CN" dirty="0" err="1"/>
-              <a:t>emui_dev</a:t>
+              <a:t>communication_onlinerate</a:t>
             </a:r>
             <a:r>
               <a:rPr lang="en-US" altLang="zh-CN" dirty="0"/>
@@ -9018,7 +9071,7 @@
             </a:r>
             <a:r>
               <a:rPr lang="en-US" altLang="zh-CN" dirty="0" err="1"/>
-              <a:t>device_size</a:t>
+              <a:t>device_price</a:t>
             </a:r>
             <a:r>
               <a:rPr lang="en-US" altLang="zh-CN" dirty="0"/>
@@ -9049,8 +9102,8 @@
         </p:blipFill>
         <p:spPr>
           <a:xfrm>
-            <a:off x="0" y="1760610"/>
-            <a:ext cx="4122035" cy="3804328"/>
+            <a:off x="132782" y="1760610"/>
+            <a:ext cx="3623070" cy="3343821"/>
           </a:xfrm>
           <a:prstGeom prst="rect">
             <a:avLst/>
@@ -9079,8 +9132,8 @@
         </p:blipFill>
         <p:spPr>
           <a:xfrm>
-            <a:off x="4078377" y="1936673"/>
-            <a:ext cx="3871124" cy="3609977"/>
+            <a:off x="4068852" y="1849598"/>
+            <a:ext cx="3490289" cy="3254833"/>
           </a:xfrm>
           <a:prstGeom prst="rect">
             <a:avLst/>
@@ -9259,8 +9312,8 @@
         </p:nvSpPr>
         <p:spPr>
           <a:xfrm>
-            <a:off x="803018" y="5700674"/>
-            <a:ext cx="2336738" cy="403316"/>
+            <a:off x="803017" y="5700674"/>
+            <a:ext cx="10198357" cy="735714"/>
           </a:xfrm>
           <a:prstGeom prst="rect">
             <a:avLst/>
@@ -9285,7 +9338,7 @@
             </a:pPr>
             <a:r>
               <a:rPr lang="en-US" altLang="zh-CN" dirty="0"/>
-              <a:t>Todo</a:t>
+              <a:t>The model performances before and after dropping some common least important features in permutation importance test are similar. We’ll drop these features in the fine-tuning stage.</a:t>
             </a:r>
           </a:p>
         </p:txBody>
@@ -9312,7 +9365,7 @@
         </p:blipFill>
         <p:spPr>
           <a:xfrm>
-            <a:off x="8344307" y="3279190"/>
+            <a:off x="952742" y="3429000"/>
             <a:ext cx="3275786" cy="1334930"/>
           </a:xfrm>
           <a:prstGeom prst="rect">
@@ -9342,8 +9395,8 @@
         </p:blipFill>
         <p:spPr>
           <a:xfrm>
-            <a:off x="803018" y="2537136"/>
-            <a:ext cx="3575234" cy="2959252"/>
+            <a:off x="8245012" y="2735180"/>
+            <a:ext cx="2899868" cy="2400246"/>
           </a:xfrm>
           <a:prstGeom prst="rect">
             <a:avLst/>
@@ -9372,8 +9425,8 @@
         </p:blipFill>
         <p:spPr>
           <a:xfrm>
-            <a:off x="4593578" y="2476555"/>
-            <a:ext cx="3575234" cy="2940201"/>
+            <a:off x="4852467" y="2735180"/>
+            <a:ext cx="3016897" cy="2481036"/>
           </a:xfrm>
           <a:prstGeom prst="rect">
             <a:avLst/>
@@ -9579,7 +9632,7 @@
         <p:spPr>
           <a:xfrm>
             <a:off x="6348401" y="4363379"/>
-            <a:ext cx="5324096" cy="1400512"/>
+            <a:ext cx="5324096" cy="403316"/>
           </a:xfrm>
           <a:prstGeom prst="rect">
             <a:avLst/>
@@ -9618,7 +9671,7 @@
           <a:p>
             <a:r>
               <a:rPr lang="en-US" altLang="zh-CN" dirty="0"/>
-              <a:t>This is a summary table for all models. The precision scores at all stages are very low and we’ll try to improve the precision when adjusting the model hyperparameters.</a:t>
+              <a:t>This is a summary table for all models. </a:t>
             </a:r>
           </a:p>
         </p:txBody>
@@ -9771,36 +9824,6 @@
           </a:p>
         </p:txBody>
       </p:sp>
-      <p:pic>
-        <p:nvPicPr>
-          <p:cNvPr id="25" name="Picture 24">
-            <a:extLst>
-              <a:ext uri="{FF2B5EF4-FFF2-40B4-BE49-F238E27FC236}">
-                <a16:creationId xmlns:a16="http://schemas.microsoft.com/office/drawing/2014/main" id="{C42D9873-D257-D691-5865-A18FD6801004}"/>
-              </a:ext>
-            </a:extLst>
-          </p:cNvPr>
-          <p:cNvPicPr>
-            <a:picLocks noChangeAspect="1"/>
-          </p:cNvPicPr>
-          <p:nvPr/>
-        </p:nvPicPr>
-        <p:blipFill>
-          <a:blip r:embed="rId3"/>
-          <a:stretch>
-            <a:fillRect/>
-          </a:stretch>
-        </p:blipFill>
-        <p:spPr>
-          <a:xfrm>
-            <a:off x="324781" y="3260994"/>
-            <a:ext cx="4923658" cy="757486"/>
-          </a:xfrm>
-          <a:prstGeom prst="rect">
-            <a:avLst/>
-          </a:prstGeom>
-        </p:spPr>
-      </p:pic>
       <p:sp>
         <p:nvSpPr>
           <p:cNvPr id="26" name="TextBox 25">
@@ -9865,36 +9888,6 @@
           </a:p>
         </p:txBody>
       </p:sp>
-      <p:pic>
-        <p:nvPicPr>
-          <p:cNvPr id="27" name="Picture 26">
-            <a:extLst>
-              <a:ext uri="{FF2B5EF4-FFF2-40B4-BE49-F238E27FC236}">
-                <a16:creationId xmlns:a16="http://schemas.microsoft.com/office/drawing/2014/main" id="{1927692F-4670-FCF8-827F-545CD4DDCA36}"/>
-              </a:ext>
-            </a:extLst>
-          </p:cNvPr>
-          <p:cNvPicPr>
-            <a:picLocks noChangeAspect="1"/>
-          </p:cNvPicPr>
-          <p:nvPr/>
-        </p:nvPicPr>
-        <p:blipFill>
-          <a:blip r:embed="rId4"/>
-          <a:stretch>
-            <a:fillRect/>
-          </a:stretch>
-        </p:blipFill>
-        <p:spPr>
-          <a:xfrm>
-            <a:off x="325143" y="4858015"/>
-            <a:ext cx="4870354" cy="757486"/>
-          </a:xfrm>
-          <a:prstGeom prst="rect">
-            <a:avLst/>
-          </a:prstGeom>
-        </p:spPr>
-      </p:pic>
       <p:sp>
         <p:nvSpPr>
           <p:cNvPr id="28" name="TextBox 27">
@@ -9955,36 +9948,6 @@
           </a:p>
         </p:txBody>
       </p:sp>
-      <p:pic>
-        <p:nvPicPr>
-          <p:cNvPr id="29" name="Picture 28">
-            <a:extLst>
-              <a:ext uri="{FF2B5EF4-FFF2-40B4-BE49-F238E27FC236}">
-                <a16:creationId xmlns:a16="http://schemas.microsoft.com/office/drawing/2014/main" id="{A0E58180-3450-5554-BF4E-C27D85B043C5}"/>
-              </a:ext>
-            </a:extLst>
-          </p:cNvPr>
-          <p:cNvPicPr>
-            <a:picLocks noChangeAspect="1"/>
-          </p:cNvPicPr>
-          <p:nvPr/>
-        </p:nvPicPr>
-        <p:blipFill>
-          <a:blip r:embed="rId5"/>
-          <a:stretch>
-            <a:fillRect/>
-          </a:stretch>
-        </p:blipFill>
-        <p:spPr>
-          <a:xfrm>
-            <a:off x="6801781" y="1878497"/>
-            <a:ext cx="4870716" cy="746769"/>
-          </a:xfrm>
-          <a:prstGeom prst="rect">
-            <a:avLst/>
-          </a:prstGeom>
-        </p:spPr>
-      </p:pic>
       <p:sp>
         <p:nvSpPr>
           <p:cNvPr id="30" name="TextBox 29">
@@ -10060,6 +10023,96 @@
           <p:nvPr/>
         </p:nvPicPr>
         <p:blipFill>
+          <a:blip r:embed="rId3"/>
+          <a:stretch>
+            <a:fillRect/>
+          </a:stretch>
+        </p:blipFill>
+        <p:spPr>
+          <a:xfrm>
+            <a:off x="6801780" y="3373907"/>
+            <a:ext cx="4870354" cy="762558"/>
+          </a:xfrm>
+          <a:prstGeom prst="rect">
+            <a:avLst/>
+          </a:prstGeom>
+        </p:spPr>
+      </p:pic>
+      <p:pic>
+        <p:nvPicPr>
+          <p:cNvPr id="4" name="Picture 3">
+            <a:extLst>
+              <a:ext uri="{FF2B5EF4-FFF2-40B4-BE49-F238E27FC236}">
+                <a16:creationId xmlns:a16="http://schemas.microsoft.com/office/drawing/2014/main" id="{4FE06389-B92B-CFA5-DB7C-79BD3BAB66E7}"/>
+              </a:ext>
+            </a:extLst>
+          </p:cNvPr>
+          <p:cNvPicPr>
+            <a:picLocks noChangeAspect="1"/>
+          </p:cNvPicPr>
+          <p:nvPr/>
+        </p:nvPicPr>
+        <p:blipFill>
+          <a:blip r:embed="rId4"/>
+          <a:stretch>
+            <a:fillRect/>
+          </a:stretch>
+        </p:blipFill>
+        <p:spPr>
+          <a:xfrm>
+            <a:off x="6374187" y="1880804"/>
+            <a:ext cx="5493032" cy="831893"/>
+          </a:xfrm>
+          <a:prstGeom prst="rect">
+            <a:avLst/>
+          </a:prstGeom>
+        </p:spPr>
+      </p:pic>
+      <p:pic>
+        <p:nvPicPr>
+          <p:cNvPr id="6" name="Picture 5">
+            <a:extLst>
+              <a:ext uri="{FF2B5EF4-FFF2-40B4-BE49-F238E27FC236}">
+                <a16:creationId xmlns:a16="http://schemas.microsoft.com/office/drawing/2014/main" id="{BF4E6716-8843-B7D8-2FC3-54FA1AC027CF}"/>
+              </a:ext>
+            </a:extLst>
+          </p:cNvPr>
+          <p:cNvPicPr>
+            <a:picLocks noChangeAspect="1"/>
+          </p:cNvPicPr>
+          <p:nvPr/>
+        </p:nvPicPr>
+        <p:blipFill>
+          <a:blip r:embed="rId5"/>
+          <a:stretch>
+            <a:fillRect/>
+          </a:stretch>
+        </p:blipFill>
+        <p:spPr>
+          <a:xfrm>
+            <a:off x="196708" y="3399649"/>
+            <a:ext cx="5531134" cy="831893"/>
+          </a:xfrm>
+          <a:prstGeom prst="rect">
+            <a:avLst/>
+          </a:prstGeom>
+        </p:spPr>
+      </p:pic>
+      <p:pic>
+        <p:nvPicPr>
+          <p:cNvPr id="9" name="Picture 8">
+            <a:extLst>
+              <a:ext uri="{FF2B5EF4-FFF2-40B4-BE49-F238E27FC236}">
+                <a16:creationId xmlns:a16="http://schemas.microsoft.com/office/drawing/2014/main" id="{060D67B0-59A0-CBB8-C8F5-95FC83166A58}"/>
+              </a:ext>
+            </a:extLst>
+          </p:cNvPr>
+          <p:cNvPicPr>
+            <a:picLocks noChangeAspect="1"/>
+          </p:cNvPicPr>
+          <p:nvPr/>
+        </p:nvPicPr>
+        <p:blipFill>
           <a:blip r:embed="rId6"/>
           <a:stretch>
             <a:fillRect/>
@@ -10067,8 +10120,8 @@
         </p:blipFill>
         <p:spPr>
           <a:xfrm>
-            <a:off x="6801780" y="3373907"/>
-            <a:ext cx="4870354" cy="762558"/>
+            <a:off x="158463" y="4995188"/>
+            <a:ext cx="5613689" cy="838243"/>
           </a:xfrm>
           <a:prstGeom prst="rect">
             <a:avLst/>
@@ -10506,7 +10559,7 @@
               <a:buChar char="n"/>
             </a:pPr>
             <a:r>
-              <a:rPr lang="en-US" altLang="zh-CN" dirty="0"/>
+              <a:rPr lang="en-US" altLang="zh-CN" b="1" dirty="0"/>
               <a:t>SGD Classifier</a:t>
             </a:r>
           </a:p>
@@ -10581,7 +10634,7 @@
               <a:buChar char="n"/>
             </a:pPr>
             <a:r>
-              <a:rPr lang="en-US" altLang="zh-CN" dirty="0"/>
+              <a:rPr lang="en-US" altLang="zh-CN" b="1" dirty="0"/>
               <a:t>Ada Boost Classifier</a:t>
             </a:r>
           </a:p>
@@ -10656,7 +10709,7 @@
               <a:buChar char="n"/>
             </a:pPr>
             <a:r>
-              <a:rPr lang="en-US" altLang="zh-CN" dirty="0"/>
+              <a:rPr lang="en-US" altLang="zh-CN" b="1" dirty="0"/>
               <a:t>Decision Tree Classifier</a:t>
             </a:r>
           </a:p>
@@ -10701,7 +10754,7 @@
               <a:buChar char="n"/>
             </a:pPr>
             <a:r>
-              <a:rPr lang="en-US" altLang="zh-CN" dirty="0"/>
+              <a:rPr lang="en-US" altLang="zh-CN" b="1" dirty="0"/>
               <a:t>Gradient Boosting Classifier</a:t>
             </a:r>
           </a:p>
@@ -10746,7 +10799,7 @@
               <a:buChar char="n"/>
             </a:pPr>
             <a:r>
-              <a:rPr lang="en-US" altLang="zh-CN" dirty="0"/>
+              <a:rPr lang="en-US" altLang="zh-CN" b="1" dirty="0"/>
               <a:t>Random forest classifier</a:t>
             </a:r>
           </a:p>
@@ -10857,7 +10910,7 @@
         <p:spPr>
           <a:xfrm>
             <a:off x="8328992" y="2228056"/>
-            <a:ext cx="2955872" cy="1732910"/>
+            <a:ext cx="2955872" cy="2065309"/>
           </a:xfrm>
           <a:prstGeom prst="rect">
             <a:avLst/>
@@ -10880,7 +10933,7 @@
             </a:pPr>
             <a:r>
               <a:rPr lang="en-US" altLang="zh-CN" dirty="0"/>
-              <a:t>Because the distribution (0/1) is imbalanced, we set ‘</a:t>
+              <a:t>Note: Because the distribution (0/1) is imbalanced, we set ‘</a:t>
             </a:r>
             <a:r>
               <a:rPr lang="en-US" altLang="zh-CN" dirty="0" err="1"/>
@@ -11182,7 +11235,31 @@
             </a:pPr>
             <a:r>
               <a:rPr lang="en-US" altLang="zh-CN" dirty="0"/>
-              <a:t>The low precision score and the large number of false positive instances indicate that the model is not performing well in correctly identifying positive instances. The average precision score is very low. </a:t>
+              <a:t>The low </a:t>
+            </a:r>
+            <a:r>
+              <a:rPr lang="en-US" altLang="zh-CN" b="1" dirty="0"/>
+              <a:t>precision score </a:t>
+            </a:r>
+            <a:r>
+              <a:rPr lang="en-US" altLang="zh-CN" dirty="0"/>
+              <a:t>and the large number of </a:t>
+            </a:r>
+            <a:r>
+              <a:rPr lang="en-US" altLang="zh-CN" b="1" dirty="0"/>
+              <a:t>false positive </a:t>
+            </a:r>
+            <a:r>
+              <a:rPr lang="en-US" altLang="zh-CN" dirty="0"/>
+              <a:t>instances indicate that the model is not performing well in correctly identifying positive instances. The </a:t>
+            </a:r>
+            <a:r>
+              <a:rPr lang="en-US" altLang="zh-CN" b="1" dirty="0"/>
+              <a:t>average precision score </a:t>
+            </a:r>
+            <a:r>
+              <a:rPr lang="en-US" altLang="zh-CN" dirty="0"/>
+              <a:t>is very low. </a:t>
             </a:r>
           </a:p>
         </p:txBody>
@@ -11531,7 +11608,15 @@
             </a:pPr>
             <a:r>
               <a:rPr lang="en-US" altLang="zh-CN" dirty="0"/>
-              <a:t>The performances on train set and validation set are similar. The average precision score is slightly lower on validation set.</a:t>
+              <a:t>The performances on train set and validation set are similar. The </a:t>
+            </a:r>
+            <a:r>
+              <a:rPr lang="en-US" altLang="zh-CN" b="1" dirty="0"/>
+              <a:t>average precision score </a:t>
+            </a:r>
+            <a:r>
+              <a:rPr lang="en-US" altLang="zh-CN" dirty="0"/>
+              <a:t>is slightly lower on validation set.</a:t>
             </a:r>
           </a:p>
         </p:txBody>
@@ -11704,7 +11789,7 @@
         </p:nvSpPr>
         <p:spPr>
           <a:xfrm>
-            <a:off x="6270481" y="1631852"/>
+            <a:off x="6270481" y="1149616"/>
             <a:ext cx="5083319" cy="4724498"/>
           </a:xfrm>
           <a:prstGeom prst="rect">
@@ -11730,7 +11815,47 @@
             </a:pPr>
             <a:r>
               <a:rPr lang="en-US" altLang="zh-CN" dirty="0"/>
-              <a:t>To improve the performance, we conduct a feature selection Below are additional features that might be dropped</a:t>
+              <a:t>We use </a:t>
+            </a:r>
+            <a:r>
+              <a:rPr lang="en-US" altLang="zh-CN" b="1" dirty="0" err="1"/>
+              <a:t>average_precision</a:t>
+            </a:r>
+            <a:r>
+              <a:rPr lang="en-US" altLang="zh-CN" b="1" dirty="0"/>
+              <a:t> </a:t>
+            </a:r>
+            <a:r>
+              <a:rPr lang="en-US" altLang="zh-CN" dirty="0"/>
+              <a:t>and </a:t>
+            </a:r>
+            <a:r>
+              <a:rPr lang="en-US" altLang="zh-CN" b="1" dirty="0" err="1"/>
+              <a:t>roc_auc</a:t>
+            </a:r>
+            <a:r>
+              <a:rPr lang="en-US" altLang="zh-CN" b="1" dirty="0"/>
+              <a:t> </a:t>
+            </a:r>
+            <a:r>
+              <a:rPr lang="en-US" altLang="zh-CN" dirty="0"/>
+              <a:t>to list the most significant features. </a:t>
+            </a:r>
+          </a:p>
+          <a:p>
+            <a:pPr marL="285750" indent="-285750">
+              <a:lnSpc>
+                <a:spcPct val="120000"/>
+              </a:lnSpc>
+              <a:buClr>
+                <a:srgbClr val="D41B2C"/>
+              </a:buClr>
+              <a:buFont typeface="Wingdings" panose="05000000000000000000" pitchFamily="2" charset="2"/>
+              <a:buChar char="n"/>
+            </a:pPr>
+            <a:r>
+              <a:rPr lang="en-US" altLang="zh-CN" dirty="0"/>
+              <a:t>To improve the performance, we conduct a feature selection. Below are additional features that might be dropped</a:t>
             </a:r>
           </a:p>
           <a:p>
@@ -11750,7 +11875,7 @@
             </a:r>
             <a:r>
               <a:rPr lang="en-US" altLang="zh-CN" dirty="0" err="1"/>
-              <a:t>communication_onlinerate</a:t>
+              <a:t>indu_name</a:t>
             </a:r>
             <a:r>
               <a:rPr lang="en-US" altLang="zh-CN" dirty="0"/>
@@ -11798,7 +11923,7 @@
             </a:r>
             <a:r>
               <a:rPr lang="en-US" altLang="zh-CN" dirty="0" err="1"/>
-              <a:t>indu_name</a:t>
+              <a:t>emui_dev</a:t>
             </a:r>
             <a:r>
               <a:rPr lang="en-US" altLang="zh-CN" dirty="0"/>
@@ -11818,15 +11943,7 @@
             </a:pPr>
             <a:r>
               <a:rPr lang="en-US" altLang="zh-CN" dirty="0"/>
-              <a:t> '</a:t>
-            </a:r>
-            <a:r>
-              <a:rPr lang="en-US" altLang="zh-CN" dirty="0" err="1"/>
-              <a:t>device_name</a:t>
-            </a:r>
-            <a:r>
-              <a:rPr lang="en-US" altLang="zh-CN" dirty="0"/>
-              <a:t>',</a:t>
+              <a:t> 'residence',</a:t>
             </a:r>
           </a:p>
           <a:p>
@@ -11842,7 +11959,15 @@
             </a:pPr>
             <a:r>
               <a:rPr lang="en-US" altLang="zh-CN" dirty="0"/>
-              <a:t> 'residence',</a:t>
+              <a:t> '</a:t>
+            </a:r>
+            <a:r>
+              <a:rPr lang="en-US" altLang="zh-CN" dirty="0" err="1"/>
+              <a:t>city_rank</a:t>
+            </a:r>
+            <a:r>
+              <a:rPr lang="en-US" altLang="zh-CN" dirty="0"/>
+              <a:t>',</a:t>
             </a:r>
           </a:p>
           <a:p>
@@ -11862,7 +11987,7 @@
             </a:r>
             <a:r>
               <a:rPr lang="en-US" altLang="zh-CN" dirty="0" err="1"/>
-              <a:t>device_size</a:t>
+              <a:t>communication_onlinerate</a:t>
             </a:r>
             <a:r>
               <a:rPr lang="en-US" altLang="zh-CN" dirty="0"/>
@@ -11886,7 +12011,7 @@
             </a:r>
             <a:r>
               <a:rPr lang="en-US" altLang="zh-CN" dirty="0" err="1"/>
-              <a:t>emui_dev</a:t>
+              <a:t>device_name</a:t>
             </a:r>
             <a:r>
               <a:rPr lang="en-US" altLang="zh-CN" dirty="0"/>
@@ -11910,7 +12035,7 @@
             </a:r>
             <a:r>
               <a:rPr lang="en-US" altLang="zh-CN" dirty="0" err="1"/>
-              <a:t>city_rank</a:t>
+              <a:t>consume_purchase</a:t>
             </a:r>
             <a:r>
               <a:rPr lang="en-US" altLang="zh-CN" dirty="0"/>
@@ -11934,27 +12059,11 @@
             </a:r>
             <a:r>
               <a:rPr lang="en-US" altLang="zh-CN" dirty="0" err="1"/>
-              <a:t>consume_purchase</a:t>
-            </a:r>
-            <a:r>
-              <a:rPr lang="en-US" altLang="zh-CN" dirty="0"/>
-              <a:t>’</a:t>
-            </a:r>
-          </a:p>
-          <a:p>
-            <a:pPr marL="285750" indent="-285750">
-              <a:lnSpc>
-                <a:spcPct val="120000"/>
-              </a:lnSpc>
-              <a:buClr>
-                <a:srgbClr val="D41B2C"/>
-              </a:buClr>
-              <a:buFont typeface="Wingdings" panose="05000000000000000000" pitchFamily="2" charset="2"/>
-              <a:buChar char="n"/>
-            </a:pPr>
-            <a:r>
-              <a:rPr lang="en-US" altLang="zh-CN" dirty="0"/>
-              <a:t>Next, we re-evaluate the model after dropping the features. </a:t>
+              <a:t>device_size</a:t>
+            </a:r>
+            <a:r>
+              <a:rPr lang="en-US" altLang="zh-CN" dirty="0"/>
+              <a:t>'</a:t>
             </a:r>
           </a:p>
         </p:txBody>
@@ -12484,8 +12593,8 @@
         </p:nvSpPr>
         <p:spPr>
           <a:xfrm>
-            <a:off x="1264936" y="5495559"/>
-            <a:ext cx="9607656" cy="1068113"/>
+            <a:off x="1292172" y="5252563"/>
+            <a:ext cx="9607656" cy="403316"/>
           </a:xfrm>
           <a:prstGeom prst="rect">
             <a:avLst/>
@@ -12510,18 +12619,33 @@
             </a:pPr>
             <a:r>
               <a:rPr lang="en-US" altLang="zh-CN" dirty="0"/>
-              <a:t>The low precision score and the large number of false positive instances indicate that the model is not performing well in correctly identifying positive instances. The average precision score is very low</a:t>
-            </a:r>
-            <a:endParaRPr lang="en-US" altLang="zh-CN" b="1" dirty="0"/>
+              <a:t>This model has few </a:t>
+            </a:r>
+            <a:r>
+              <a:rPr lang="en-US" altLang="zh-CN" b="1" dirty="0"/>
+              <a:t>false positive </a:t>
+            </a:r>
+            <a:r>
+              <a:rPr lang="en-US" altLang="zh-CN" dirty="0"/>
+              <a:t>although the number of </a:t>
+            </a:r>
+            <a:r>
+              <a:rPr lang="en-US" altLang="zh-CN" b="1" dirty="0"/>
+              <a:t>false negatives </a:t>
+            </a:r>
+            <a:r>
+              <a:rPr lang="en-US" altLang="zh-CN" dirty="0"/>
+              <a:t>is large. </a:t>
+            </a:r>
           </a:p>
         </p:txBody>
       </p:sp>
       <p:pic>
         <p:nvPicPr>
-          <p:cNvPr id="8" name="Picture 7">
-            <a:extLst>
-              <a:ext uri="{FF2B5EF4-FFF2-40B4-BE49-F238E27FC236}">
-                <a16:creationId xmlns:a16="http://schemas.microsoft.com/office/drawing/2014/main" id="{9DF2D25E-38D4-A647-EA12-0F0FE64875D7}"/>
+          <p:cNvPr id="5" name="Picture 4">
+            <a:extLst>
+              <a:ext uri="{FF2B5EF4-FFF2-40B4-BE49-F238E27FC236}">
+                <a16:creationId xmlns:a16="http://schemas.microsoft.com/office/drawing/2014/main" id="{C31F39D6-FAE2-6D60-A026-661F369034D8}"/>
               </a:ext>
             </a:extLst>
           </p:cNvPr>
@@ -12538,8 +12662,8 @@
         </p:blipFill>
         <p:spPr>
           <a:xfrm>
-            <a:off x="1117778" y="3109988"/>
-            <a:ext cx="2749343" cy="1287113"/>
+            <a:off x="1922713" y="1202121"/>
+            <a:ext cx="8292102" cy="964198"/>
           </a:xfrm>
           <a:prstGeom prst="rect">
             <a:avLst/>
@@ -12548,10 +12672,10 @@
       </p:pic>
       <p:pic>
         <p:nvPicPr>
-          <p:cNvPr id="10" name="Picture 9">
-            <a:extLst>
-              <a:ext uri="{FF2B5EF4-FFF2-40B4-BE49-F238E27FC236}">
-                <a16:creationId xmlns:a16="http://schemas.microsoft.com/office/drawing/2014/main" id="{89A67C19-65B0-E830-A729-98DE8B6F13ED}"/>
+          <p:cNvPr id="9" name="Picture 8">
+            <a:extLst>
+              <a:ext uri="{FF2B5EF4-FFF2-40B4-BE49-F238E27FC236}">
+                <a16:creationId xmlns:a16="http://schemas.microsoft.com/office/drawing/2014/main" id="{097C5986-B30D-AE14-B02E-DD11F80FD6B7}"/>
               </a:ext>
             </a:extLst>
           </p:cNvPr>
@@ -12568,8 +12692,8 @@
         </p:blipFill>
         <p:spPr>
           <a:xfrm>
-            <a:off x="7346668" y="2471316"/>
-            <a:ext cx="3126304" cy="2564459"/>
+            <a:off x="585533" y="2977336"/>
+            <a:ext cx="2989609" cy="1398365"/>
           </a:xfrm>
           <a:prstGeom prst="rect">
             <a:avLst/>
@@ -12578,10 +12702,10 @@
       </p:pic>
       <p:pic>
         <p:nvPicPr>
-          <p:cNvPr id="13" name="Picture 12">
-            <a:extLst>
-              <a:ext uri="{FF2B5EF4-FFF2-40B4-BE49-F238E27FC236}">
-                <a16:creationId xmlns:a16="http://schemas.microsoft.com/office/drawing/2014/main" id="{6DD23763-BB5E-DF7B-C4C0-C707C5F4E93C}"/>
+          <p:cNvPr id="14" name="Picture 13">
+            <a:extLst>
+              <a:ext uri="{FF2B5EF4-FFF2-40B4-BE49-F238E27FC236}">
+                <a16:creationId xmlns:a16="http://schemas.microsoft.com/office/drawing/2014/main" id="{B77B6227-333A-4FB1-DBE7-A72008B0527C}"/>
               </a:ext>
             </a:extLst>
           </p:cNvPr>
@@ -12598,8 +12722,8 @@
         </p:blipFill>
         <p:spPr>
           <a:xfrm>
-            <a:off x="4052677" y="2471316"/>
-            <a:ext cx="3108435" cy="2564459"/>
+            <a:off x="7550058" y="2260849"/>
+            <a:ext cx="3568883" cy="2921150"/>
           </a:xfrm>
           <a:prstGeom prst="rect">
             <a:avLst/>
@@ -12608,10 +12732,10 @@
       </p:pic>
       <p:pic>
         <p:nvPicPr>
-          <p:cNvPr id="19" name="Picture 18">
-            <a:extLst>
-              <a:ext uri="{FF2B5EF4-FFF2-40B4-BE49-F238E27FC236}">
-                <a16:creationId xmlns:a16="http://schemas.microsoft.com/office/drawing/2014/main" id="{86E661A5-FF80-27B0-F8CD-361C3F9F57CB}"/>
+          <p:cNvPr id="16" name="Picture 15">
+            <a:extLst>
+              <a:ext uri="{FF2B5EF4-FFF2-40B4-BE49-F238E27FC236}">
+                <a16:creationId xmlns:a16="http://schemas.microsoft.com/office/drawing/2014/main" id="{7E70B52F-35D0-061D-64D9-DD3AFC798020}"/>
               </a:ext>
             </a:extLst>
           </p:cNvPr>
@@ -12628,8 +12752,8 @@
         </p:blipFill>
         <p:spPr>
           <a:xfrm>
-            <a:off x="1503119" y="1205366"/>
-            <a:ext cx="9185762" cy="1068112"/>
+            <a:off x="3790859" y="2196893"/>
+            <a:ext cx="3543482" cy="2959252"/>
           </a:xfrm>
           <a:prstGeom prst="rect">
             <a:avLst/>
@@ -12804,8 +12928,8 @@
         </p:nvSpPr>
         <p:spPr>
           <a:xfrm>
-            <a:off x="1495986" y="5531507"/>
-            <a:ext cx="3676840" cy="403316"/>
+            <a:off x="1591636" y="5530734"/>
+            <a:ext cx="9008728" cy="735714"/>
           </a:xfrm>
           <a:prstGeom prst="rect">
             <a:avLst/>
@@ -12844,17 +12968,25 @@
           <a:p>
             <a:r>
               <a:rPr lang="en-US" altLang="zh-CN" dirty="0"/>
-              <a:t>Todo</a:t>
+              <a:t>Compared to the performance on the train set, the </a:t>
+            </a:r>
+            <a:r>
+              <a:rPr lang="en-US" altLang="zh-CN" b="1" dirty="0" err="1"/>
+              <a:t>ave_precision_score</a:t>
+            </a:r>
+            <a:r>
+              <a:rPr lang="en-US" altLang="zh-CN" dirty="0"/>
+              <a:t> decreases significantly</a:t>
             </a:r>
           </a:p>
         </p:txBody>
       </p:sp>
       <p:pic>
         <p:nvPicPr>
-          <p:cNvPr id="8" name="Picture 7">
-            <a:extLst>
-              <a:ext uri="{FF2B5EF4-FFF2-40B4-BE49-F238E27FC236}">
-                <a16:creationId xmlns:a16="http://schemas.microsoft.com/office/drawing/2014/main" id="{D37ECE34-209F-C49B-1076-3262DF12C850}"/>
+          <p:cNvPr id="4" name="Picture 3">
+            <a:extLst>
+              <a:ext uri="{FF2B5EF4-FFF2-40B4-BE49-F238E27FC236}">
+                <a16:creationId xmlns:a16="http://schemas.microsoft.com/office/drawing/2014/main" id="{D2AF6BE7-6789-3B7B-A0D5-BC87B3E7E180}"/>
               </a:ext>
             </a:extLst>
           </p:cNvPr>
@@ -12871,8 +13003,8 @@
         </p:blipFill>
         <p:spPr>
           <a:xfrm>
-            <a:off x="9227511" y="3414669"/>
-            <a:ext cx="1981302" cy="901746"/>
+            <a:off x="2755745" y="1210749"/>
+            <a:ext cx="6013759" cy="698536"/>
           </a:xfrm>
           <a:prstGeom prst="rect">
             <a:avLst/>
@@ -12881,10 +13013,10 @@
       </p:pic>
       <p:pic>
         <p:nvPicPr>
-          <p:cNvPr id="10" name="Picture 9">
-            <a:extLst>
-              <a:ext uri="{FF2B5EF4-FFF2-40B4-BE49-F238E27FC236}">
-                <a16:creationId xmlns:a16="http://schemas.microsoft.com/office/drawing/2014/main" id="{45A46017-096D-535F-4EF8-29509DEF9263}"/>
+          <p:cNvPr id="6" name="Picture 5">
+            <a:extLst>
+              <a:ext uri="{FF2B5EF4-FFF2-40B4-BE49-F238E27FC236}">
+                <a16:creationId xmlns:a16="http://schemas.microsoft.com/office/drawing/2014/main" id="{5A13A782-0708-B042-6EB4-91C9B7E7522E}"/>
               </a:ext>
             </a:extLst>
           </p:cNvPr>
@@ -12901,8 +13033,8 @@
         </p:blipFill>
         <p:spPr>
           <a:xfrm>
-            <a:off x="1230155" y="2179054"/>
-            <a:ext cx="3568883" cy="2952902"/>
+            <a:off x="755392" y="2981302"/>
+            <a:ext cx="2000353" cy="895396"/>
           </a:xfrm>
           <a:prstGeom prst="rect">
             <a:avLst/>
@@ -12911,10 +13043,10 @@
       </p:pic>
       <p:pic>
         <p:nvPicPr>
-          <p:cNvPr id="16" name="Picture 15">
-            <a:extLst>
-              <a:ext uri="{FF2B5EF4-FFF2-40B4-BE49-F238E27FC236}">
-                <a16:creationId xmlns:a16="http://schemas.microsoft.com/office/drawing/2014/main" id="{BFEE3B8F-FE74-5166-E824-1E9D41477ED2}"/>
+          <p:cNvPr id="13" name="Picture 12">
+            <a:extLst>
+              <a:ext uri="{FF2B5EF4-FFF2-40B4-BE49-F238E27FC236}">
+                <a16:creationId xmlns:a16="http://schemas.microsoft.com/office/drawing/2014/main" id="{2552AC41-0AF1-A4E1-F4FF-B52B153F7182}"/>
               </a:ext>
             </a:extLst>
           </p:cNvPr>
@@ -12931,8 +13063,8 @@
         </p:blipFill>
         <p:spPr>
           <a:xfrm>
-            <a:off x="5054417" y="2236081"/>
-            <a:ext cx="3556183" cy="2940201"/>
+            <a:off x="7432583" y="2086870"/>
+            <a:ext cx="3556183" cy="2952902"/>
           </a:xfrm>
           <a:prstGeom prst="rect">
             <a:avLst/>
@@ -12941,10 +13073,10 @@
       </p:pic>
       <p:pic>
         <p:nvPicPr>
-          <p:cNvPr id="20" name="Picture 19">
-            <a:extLst>
-              <a:ext uri="{FF2B5EF4-FFF2-40B4-BE49-F238E27FC236}">
-                <a16:creationId xmlns:a16="http://schemas.microsoft.com/office/drawing/2014/main" id="{C1A2FA8B-3F45-451C-2BAC-450D5EE825DF}"/>
+          <p:cNvPr id="15" name="Picture 14">
+            <a:extLst>
+              <a:ext uri="{FF2B5EF4-FFF2-40B4-BE49-F238E27FC236}">
+                <a16:creationId xmlns:a16="http://schemas.microsoft.com/office/drawing/2014/main" id="{83A548DC-D6E1-84B9-1879-7D63C8A2FE7A}"/>
               </a:ext>
             </a:extLst>
           </p:cNvPr>
@@ -12961,8 +13093,8 @@
         </p:blipFill>
         <p:spPr>
           <a:xfrm>
-            <a:off x="2823074" y="1214290"/>
-            <a:ext cx="5994708" cy="723937"/>
+            <a:off x="3590833" y="2056585"/>
+            <a:ext cx="3581584" cy="2971953"/>
           </a:xfrm>
           <a:prstGeom prst="rect">
             <a:avLst/>

--- a/submissions/phase3/stepv.pptx
+++ b/submissions/phase3/stepv.pptx
@@ -29,7 +29,6 @@
     <p:sldId id="293" r:id="rId23"/>
     <p:sldId id="299" r:id="rId24"/>
     <p:sldId id="295" r:id="rId25"/>
-    <p:sldId id="279" r:id="rId26"/>
   </p:sldIdLst>
   <p:sldSz cx="12192000" cy="6858000"/>
   <p:notesSz cx="6858000" cy="9144000"/>
@@ -9632,7 +9631,7 @@
         <p:spPr>
           <a:xfrm>
             <a:off x="6348401" y="4363379"/>
-            <a:ext cx="5324096" cy="403316"/>
+            <a:ext cx="5324096" cy="1068113"/>
           </a:xfrm>
           <a:prstGeom prst="rect">
             <a:avLst/>
@@ -9671,8 +9670,13 @@
           <a:p>
             <a:r>
               <a:rPr lang="en-US" altLang="zh-CN" dirty="0"/>
-              <a:t>This is a summary table for all models. </a:t>
-            </a:r>
+              <a:t>This is a summary table for all models. All models need to be improved based on the </a:t>
+            </a:r>
+            <a:r>
+              <a:rPr lang="en-US" altLang="zh-CN"/>
+              <a:t>performance metrics. </a:t>
+            </a:r>
+            <a:endParaRPr lang="en-US" altLang="zh-CN" dirty="0"/>
           </a:p>
         </p:txBody>
       </p:sp>
@@ -10132,244 +10136,6 @@
     <p:extLst>
       <p:ext uri="{BB962C8B-B14F-4D97-AF65-F5344CB8AC3E}">
         <p14:creationId xmlns:p14="http://schemas.microsoft.com/office/powerpoint/2010/main" val="1070114728"/>
-      </p:ext>
-    </p:extLst>
-  </p:cSld>
-  <p:clrMapOvr>
-    <a:masterClrMapping/>
-  </p:clrMapOvr>
-</p:sld>
-</file>
-
-<file path=ppt/slides/slide25.xml><?xml version="1.0" encoding="utf-8"?>
-<p:sld xmlns:a="http://schemas.openxmlformats.org/drawingml/2006/main" xmlns:r="http://schemas.openxmlformats.org/officeDocument/2006/relationships" xmlns:p="http://schemas.openxmlformats.org/presentationml/2006/main">
-  <p:cSld>
-    <p:spTree>
-      <p:nvGrpSpPr>
-        <p:cNvPr id="1" name=""/>
-        <p:cNvGrpSpPr/>
-        <p:nvPr/>
-      </p:nvGrpSpPr>
-      <p:grpSpPr>
-        <a:xfrm>
-          <a:off x="0" y="0"/>
-          <a:ext cx="0" cy="0"/>
-          <a:chOff x="0" y="0"/>
-          <a:chExt cx="0" cy="0"/>
-        </a:xfrm>
-      </p:grpSpPr>
-      <p:sp>
-        <p:nvSpPr>
-          <p:cNvPr id="7" name="TextBox 6">
-            <a:extLst>
-              <a:ext uri="{FF2B5EF4-FFF2-40B4-BE49-F238E27FC236}">
-                <a16:creationId xmlns:a16="http://schemas.microsoft.com/office/drawing/2014/main" id="{5D125FF5-A4BE-F7D1-48A3-B299B2BD4C00}"/>
-              </a:ext>
-            </a:extLst>
-          </p:cNvPr>
-          <p:cNvSpPr txBox="1"/>
-          <p:nvPr/>
-        </p:nvSpPr>
-        <p:spPr>
-          <a:xfrm>
-            <a:off x="781878" y="95532"/>
-            <a:ext cx="11410122" cy="820674"/>
-          </a:xfrm>
-          <a:prstGeom prst="rect">
-            <a:avLst/>
-          </a:prstGeom>
-          <a:noFill/>
-        </p:spPr>
-        <p:txBody>
-          <a:bodyPr wrap="square">
-            <a:spAutoFit/>
-          </a:bodyPr>
-          <a:lstStyle/>
-          <a:p>
-            <a:pPr>
-              <a:lnSpc>
-                <a:spcPct val="150000"/>
-              </a:lnSpc>
-            </a:pPr>
-            <a:r>
-              <a:rPr lang="en-US" altLang="zh-CN" sz="3600" dirty="0">
-                <a:solidFill>
-                  <a:schemeClr val="bg2">
-                    <a:lumMod val="25000"/>
-                  </a:schemeClr>
-                </a:solidFill>
-                <a:latin typeface="Arial" panose="020B0604020202020204" pitchFamily="34" charset="0"/>
-                <a:ea typeface="微软雅黑" panose="020B0503020204020204" pitchFamily="34" charset="-122"/>
-                <a:cs typeface="Arial" panose="020B0604020202020204" pitchFamily="34" charset="0"/>
-              </a:rPr>
-              <a:t>Discussions</a:t>
-            </a:r>
-          </a:p>
-        </p:txBody>
-      </p:sp>
-      <p:sp>
-        <p:nvSpPr>
-          <p:cNvPr id="11" name="Slide Number Placeholder 10">
-            <a:extLst>
-              <a:ext uri="{FF2B5EF4-FFF2-40B4-BE49-F238E27FC236}">
-                <a16:creationId xmlns:a16="http://schemas.microsoft.com/office/drawing/2014/main" id="{E4FAC7AA-BDB7-F7C0-F177-96942C945B33}"/>
-              </a:ext>
-            </a:extLst>
-          </p:cNvPr>
-          <p:cNvSpPr>
-            <a:spLocks noGrp="1"/>
-          </p:cNvSpPr>
-          <p:nvPr>
-            <p:ph type="sldNum" sz="quarter" idx="12"/>
-          </p:nvPr>
-        </p:nvSpPr>
-        <p:spPr/>
-        <p:txBody>
-          <a:bodyPr/>
-          <a:lstStyle/>
-          <a:p>
-            <a:fld id="{CD1615FA-664A-4E3E-8664-50FDFADF9207}" type="slidenum">
-              <a:rPr lang="zh-CN" altLang="en-US" smtClean="0"/>
-              <a:t>25</a:t>
-            </a:fld>
-            <a:endParaRPr lang="zh-CN" altLang="en-US"/>
-          </a:p>
-        </p:txBody>
-      </p:sp>
-      <p:sp>
-        <p:nvSpPr>
-          <p:cNvPr id="2" name="Flowchart: Process 1">
-            <a:extLst>
-              <a:ext uri="{FF2B5EF4-FFF2-40B4-BE49-F238E27FC236}">
-                <a16:creationId xmlns:a16="http://schemas.microsoft.com/office/drawing/2014/main" id="{8105CBB4-A62C-646D-028E-C22D78DFD5E9}"/>
-              </a:ext>
-            </a:extLst>
-          </p:cNvPr>
-          <p:cNvSpPr/>
-          <p:nvPr/>
-        </p:nvSpPr>
-        <p:spPr>
-          <a:xfrm flipV="1">
-            <a:off x="0" y="1046870"/>
-            <a:ext cx="12192000" cy="9144"/>
-          </a:xfrm>
-          <a:prstGeom prst="flowChartProcess">
-            <a:avLst/>
-          </a:prstGeom>
-          <a:solidFill>
-            <a:srgbClr val="D41B2C"/>
-          </a:solidFill>
-          <a:ln>
-            <a:noFill/>
-          </a:ln>
-        </p:spPr>
-        <p:style>
-          <a:lnRef idx="2">
-            <a:schemeClr val="accent1">
-              <a:shade val="15000"/>
-            </a:schemeClr>
-          </a:lnRef>
-          <a:fillRef idx="1">
-            <a:schemeClr val="accent1"/>
-          </a:fillRef>
-          <a:effectRef idx="0">
-            <a:schemeClr val="accent1"/>
-          </a:effectRef>
-          <a:fontRef idx="minor">
-            <a:schemeClr val="lt1"/>
-          </a:fontRef>
-        </p:style>
-        <p:txBody>
-          <a:bodyPr rtlCol="0" anchor="ctr"/>
-          <a:lstStyle/>
-          <a:p>
-            <a:pPr algn="ctr"/>
-            <a:endParaRPr lang="zh-CN" altLang="en-US"/>
-          </a:p>
-        </p:txBody>
-      </p:sp>
-      <p:sp>
-        <p:nvSpPr>
-          <p:cNvPr id="3" name="TextBox 2">
-            <a:extLst>
-              <a:ext uri="{FF2B5EF4-FFF2-40B4-BE49-F238E27FC236}">
-                <a16:creationId xmlns:a16="http://schemas.microsoft.com/office/drawing/2014/main" id="{AABB78DE-C76A-CC73-923F-075FFB8EC3F0}"/>
-              </a:ext>
-            </a:extLst>
-          </p:cNvPr>
-          <p:cNvSpPr txBox="1"/>
-          <p:nvPr/>
-        </p:nvSpPr>
-        <p:spPr>
-          <a:xfrm>
-            <a:off x="1105914" y="1783465"/>
-            <a:ext cx="9980171" cy="1400512"/>
-          </a:xfrm>
-          <a:prstGeom prst="rect">
-            <a:avLst/>
-          </a:prstGeom>
-          <a:noFill/>
-        </p:spPr>
-        <p:txBody>
-          <a:bodyPr wrap="square">
-            <a:spAutoFit/>
-          </a:bodyPr>
-          <a:lstStyle>
-            <a:defPPr>
-              <a:defRPr lang="zh-CN"/>
-            </a:defPPr>
-            <a:lvl1pPr marL="285750" indent="-285750">
-              <a:lnSpc>
-                <a:spcPct val="120000"/>
-              </a:lnSpc>
-              <a:buClr>
-                <a:srgbClr val="D41B2C"/>
-              </a:buClr>
-              <a:buFont typeface="Wingdings" panose="05000000000000000000" pitchFamily="2" charset="2"/>
-              <a:buChar char="n"/>
-            </a:lvl1pPr>
-            <a:lvl2pPr marL="742950" lvl="1" indent="-285750">
-              <a:lnSpc>
-                <a:spcPct val="120000"/>
-              </a:lnSpc>
-              <a:buClr>
-                <a:srgbClr val="D41B2C"/>
-              </a:buClr>
-              <a:buFont typeface="Arial" panose="020B0604020202020204" pitchFamily="34" charset="0"/>
-              <a:buChar char="•"/>
-            </a:lvl2pPr>
-          </a:lstStyle>
-          <a:p>
-            <a:r>
-              <a:rPr lang="en-US" altLang="zh-CN" dirty="0"/>
-              <a:t>Analyze the most significant attributes for each algorithm</a:t>
-            </a:r>
-          </a:p>
-          <a:p>
-            <a:r>
-              <a:rPr lang="en-US" altLang="zh-CN" dirty="0"/>
-              <a:t>Analyze the types of errors the models make</a:t>
-            </a:r>
-          </a:p>
-          <a:p>
-            <a:pPr lvl="1"/>
-            <a:r>
-              <a:rPr lang="en-US" altLang="zh-CN" dirty="0"/>
-              <a:t>What data would a human have used to avoid these errors</a:t>
-            </a:r>
-          </a:p>
-          <a:p>
-            <a:r>
-              <a:rPr lang="en-US" altLang="zh-CN" dirty="0"/>
-              <a:t>Shortlist the top three to five most promising models</a:t>
-            </a:r>
-          </a:p>
-        </p:txBody>
-      </p:sp>
-    </p:spTree>
-    <p:extLst>
-      <p:ext uri="{BB962C8B-B14F-4D97-AF65-F5344CB8AC3E}">
-        <p14:creationId xmlns:p14="http://schemas.microsoft.com/office/powerpoint/2010/main" val="1459056116"/>
       </p:ext>
     </p:extLst>
   </p:cSld>
